--- a/figs/figs.pptx
+++ b/figs/figs.pptx
@@ -4,6 +4,9 @@
   <p:sldMasterIdLst>
     <p:sldMasterId id="2147483648" r:id="rId1"/>
   </p:sldMasterIdLst>
+  <p:notesMasterIdLst>
+    <p:notesMasterId r:id="rId9"/>
+  </p:notesMasterIdLst>
   <p:sldIdLst>
     <p:sldId id="256" r:id="rId2"/>
     <p:sldId id="257" r:id="rId3"/>
@@ -116,6 +119,439 @@
     </p:ext>
   </p:extLst>
 </p:presentation>
+</file>
+
+<file path=ppt/notesMasters/notesMaster1.xml><?xml version="1.0" encoding="utf-8"?>
+<p:notesMaster xmlns:a="http://schemas.openxmlformats.org/drawingml/2006/main" xmlns:r="http://schemas.openxmlformats.org/officeDocument/2006/relationships" xmlns:p="http://schemas.openxmlformats.org/presentationml/2006/main">
+  <p:cSld>
+    <p:bg>
+      <p:bgRef idx="1001">
+        <a:schemeClr val="bg1"/>
+      </p:bgRef>
+    </p:bg>
+    <p:spTree>
+      <p:nvGrpSpPr>
+        <p:cNvPr id="1" name=""/>
+        <p:cNvGrpSpPr/>
+        <p:nvPr/>
+      </p:nvGrpSpPr>
+      <p:grpSpPr>
+        <a:xfrm>
+          <a:off x="0" y="0"/>
+          <a:ext cx="0" cy="0"/>
+          <a:chOff x="0" y="0"/>
+          <a:chExt cx="0" cy="0"/>
+        </a:xfrm>
+      </p:grpSpPr>
+      <p:sp>
+        <p:nvSpPr>
+          <p:cNvPr id="2" name="Header Placeholder 1"/>
+          <p:cNvSpPr>
+            <a:spLocks noGrp="1"/>
+          </p:cNvSpPr>
+          <p:nvPr>
+            <p:ph type="hdr" sz="quarter"/>
+          </p:nvPr>
+        </p:nvSpPr>
+        <p:spPr>
+          <a:xfrm>
+            <a:off x="0" y="0"/>
+            <a:ext cx="2971800" cy="458788"/>
+          </a:xfrm>
+          <a:prstGeom prst="rect">
+            <a:avLst/>
+          </a:prstGeom>
+        </p:spPr>
+        <p:txBody>
+          <a:bodyPr vert="horz" lIns="91440" tIns="45720" rIns="91440" bIns="45720" rtlCol="0"/>
+          <a:lstStyle>
+            <a:lvl1pPr algn="l">
+              <a:defRPr sz="1200"/>
+            </a:lvl1pPr>
+          </a:lstStyle>
+          <a:p>
+            <a:endParaRPr lang="en-US"/>
+          </a:p>
+        </p:txBody>
+      </p:sp>
+      <p:sp>
+        <p:nvSpPr>
+          <p:cNvPr id="3" name="Date Placeholder 2"/>
+          <p:cNvSpPr>
+            <a:spLocks noGrp="1"/>
+          </p:cNvSpPr>
+          <p:nvPr>
+            <p:ph type="dt" idx="1"/>
+          </p:nvPr>
+        </p:nvSpPr>
+        <p:spPr>
+          <a:xfrm>
+            <a:off x="3884613" y="0"/>
+            <a:ext cx="2971800" cy="458788"/>
+          </a:xfrm>
+          <a:prstGeom prst="rect">
+            <a:avLst/>
+          </a:prstGeom>
+        </p:spPr>
+        <p:txBody>
+          <a:bodyPr vert="horz" lIns="91440" tIns="45720" rIns="91440" bIns="45720" rtlCol="0"/>
+          <a:lstStyle>
+            <a:lvl1pPr algn="r">
+              <a:defRPr sz="1200"/>
+            </a:lvl1pPr>
+          </a:lstStyle>
+          <a:p>
+            <a:fld id="{362AB427-FC1B-0C43-B340-EA114C1D5476}" type="datetimeFigureOut">
+              <a:rPr lang="en-US" smtClean="0"/>
+              <a:t>4/15/24</a:t>
+            </a:fld>
+            <a:endParaRPr lang="en-US"/>
+          </a:p>
+        </p:txBody>
+      </p:sp>
+      <p:sp>
+        <p:nvSpPr>
+          <p:cNvPr id="4" name="Slide Image Placeholder 3"/>
+          <p:cNvSpPr>
+            <a:spLocks noGrp="1" noRot="1" noChangeAspect="1"/>
+          </p:cNvSpPr>
+          <p:nvPr>
+            <p:ph type="sldImg" idx="2"/>
+          </p:nvPr>
+        </p:nvSpPr>
+        <p:spPr>
+          <a:xfrm>
+            <a:off x="685800" y="1143000"/>
+            <a:ext cx="5486400" cy="3086100"/>
+          </a:xfrm>
+          <a:prstGeom prst="rect">
+            <a:avLst/>
+          </a:prstGeom>
+          <a:noFill/>
+          <a:ln w="12700">
+            <a:solidFill>
+              <a:prstClr val="black"/>
+            </a:solidFill>
+          </a:ln>
+        </p:spPr>
+        <p:txBody>
+          <a:bodyPr vert="horz" lIns="91440" tIns="45720" rIns="91440" bIns="45720" rtlCol="0" anchor="ctr"/>
+          <a:lstStyle/>
+          <a:p>
+            <a:endParaRPr lang="en-US"/>
+          </a:p>
+        </p:txBody>
+      </p:sp>
+      <p:sp>
+        <p:nvSpPr>
+          <p:cNvPr id="5" name="Notes Placeholder 4"/>
+          <p:cNvSpPr>
+            <a:spLocks noGrp="1"/>
+          </p:cNvSpPr>
+          <p:nvPr>
+            <p:ph type="body" sz="quarter" idx="3"/>
+          </p:nvPr>
+        </p:nvSpPr>
+        <p:spPr>
+          <a:xfrm>
+            <a:off x="685800" y="4400550"/>
+            <a:ext cx="5486400" cy="3600450"/>
+          </a:xfrm>
+          <a:prstGeom prst="rect">
+            <a:avLst/>
+          </a:prstGeom>
+        </p:spPr>
+        <p:txBody>
+          <a:bodyPr vert="horz" lIns="91440" tIns="45720" rIns="91440" bIns="45720" rtlCol="0"/>
+          <a:lstStyle/>
+          <a:p>
+            <a:pPr lvl="0"/>
+            <a:r>
+              <a:rPr lang="en-US"/>
+              <a:t>Click to edit Master text styles</a:t>
+            </a:r>
+          </a:p>
+          <a:p>
+            <a:pPr lvl="1"/>
+            <a:r>
+              <a:rPr lang="en-US"/>
+              <a:t>Second level</a:t>
+            </a:r>
+          </a:p>
+          <a:p>
+            <a:pPr lvl="2"/>
+            <a:r>
+              <a:rPr lang="en-US"/>
+              <a:t>Third level</a:t>
+            </a:r>
+          </a:p>
+          <a:p>
+            <a:pPr lvl="3"/>
+            <a:r>
+              <a:rPr lang="en-US"/>
+              <a:t>Fourth level</a:t>
+            </a:r>
+          </a:p>
+          <a:p>
+            <a:pPr lvl="4"/>
+            <a:r>
+              <a:rPr lang="en-US"/>
+              <a:t>Fifth level</a:t>
+            </a:r>
+          </a:p>
+        </p:txBody>
+      </p:sp>
+      <p:sp>
+        <p:nvSpPr>
+          <p:cNvPr id="6" name="Footer Placeholder 5"/>
+          <p:cNvSpPr>
+            <a:spLocks noGrp="1"/>
+          </p:cNvSpPr>
+          <p:nvPr>
+            <p:ph type="ftr" sz="quarter" idx="4"/>
+          </p:nvPr>
+        </p:nvSpPr>
+        <p:spPr>
+          <a:xfrm>
+            <a:off x="0" y="8685213"/>
+            <a:ext cx="2971800" cy="458787"/>
+          </a:xfrm>
+          <a:prstGeom prst="rect">
+            <a:avLst/>
+          </a:prstGeom>
+        </p:spPr>
+        <p:txBody>
+          <a:bodyPr vert="horz" lIns="91440" tIns="45720" rIns="91440" bIns="45720" rtlCol="0" anchor="b"/>
+          <a:lstStyle>
+            <a:lvl1pPr algn="l">
+              <a:defRPr sz="1200"/>
+            </a:lvl1pPr>
+          </a:lstStyle>
+          <a:p>
+            <a:endParaRPr lang="en-US"/>
+          </a:p>
+        </p:txBody>
+      </p:sp>
+      <p:sp>
+        <p:nvSpPr>
+          <p:cNvPr id="7" name="Slide Number Placeholder 6"/>
+          <p:cNvSpPr>
+            <a:spLocks noGrp="1"/>
+          </p:cNvSpPr>
+          <p:nvPr>
+            <p:ph type="sldNum" sz="quarter" idx="5"/>
+          </p:nvPr>
+        </p:nvSpPr>
+        <p:spPr>
+          <a:xfrm>
+            <a:off x="3884613" y="8685213"/>
+            <a:ext cx="2971800" cy="458787"/>
+          </a:xfrm>
+          <a:prstGeom prst="rect">
+            <a:avLst/>
+          </a:prstGeom>
+        </p:spPr>
+        <p:txBody>
+          <a:bodyPr vert="horz" lIns="91440" tIns="45720" rIns="91440" bIns="45720" rtlCol="0" anchor="b"/>
+          <a:lstStyle>
+            <a:lvl1pPr algn="r">
+              <a:defRPr sz="1200"/>
+            </a:lvl1pPr>
+          </a:lstStyle>
+          <a:p>
+            <a:fld id="{F3AF41B7-FF84-5942-B8AF-03C7723B297E}" type="slidenum">
+              <a:rPr lang="en-US" smtClean="0"/>
+              <a:t>‹#›</a:t>
+            </a:fld>
+            <a:endParaRPr lang="en-US"/>
+          </a:p>
+        </p:txBody>
+      </p:sp>
+    </p:spTree>
+    <p:extLst>
+      <p:ext uri="{BB962C8B-B14F-4D97-AF65-F5344CB8AC3E}">
+        <p14:creationId xmlns:p14="http://schemas.microsoft.com/office/powerpoint/2010/main" val="618275477"/>
+      </p:ext>
+    </p:extLst>
+  </p:cSld>
+  <p:clrMap bg1="lt1" tx1="dk1" bg2="lt2" tx2="dk2" accent1="accent1" accent2="accent2" accent3="accent3" accent4="accent4" accent5="accent5" accent6="accent6" hlink="hlink" folHlink="folHlink"/>
+  <p:notesStyle>
+    <a:lvl1pPr marL="0" algn="l" defTabSz="914400" rtl="0" eaLnBrk="1" latinLnBrk="0" hangingPunct="1">
+      <a:defRPr sz="1200" kern="1200">
+        <a:solidFill>
+          <a:schemeClr val="tx1"/>
+        </a:solidFill>
+        <a:latin typeface="+mn-lt"/>
+        <a:ea typeface="+mn-ea"/>
+        <a:cs typeface="+mn-cs"/>
+      </a:defRPr>
+    </a:lvl1pPr>
+    <a:lvl2pPr marL="457200" algn="l" defTabSz="914400" rtl="0" eaLnBrk="1" latinLnBrk="0" hangingPunct="1">
+      <a:defRPr sz="1200" kern="1200">
+        <a:solidFill>
+          <a:schemeClr val="tx1"/>
+        </a:solidFill>
+        <a:latin typeface="+mn-lt"/>
+        <a:ea typeface="+mn-ea"/>
+        <a:cs typeface="+mn-cs"/>
+      </a:defRPr>
+    </a:lvl2pPr>
+    <a:lvl3pPr marL="914400" algn="l" defTabSz="914400" rtl="0" eaLnBrk="1" latinLnBrk="0" hangingPunct="1">
+      <a:defRPr sz="1200" kern="1200">
+        <a:solidFill>
+          <a:schemeClr val="tx1"/>
+        </a:solidFill>
+        <a:latin typeface="+mn-lt"/>
+        <a:ea typeface="+mn-ea"/>
+        <a:cs typeface="+mn-cs"/>
+      </a:defRPr>
+    </a:lvl3pPr>
+    <a:lvl4pPr marL="1371600" algn="l" defTabSz="914400" rtl="0" eaLnBrk="1" latinLnBrk="0" hangingPunct="1">
+      <a:defRPr sz="1200" kern="1200">
+        <a:solidFill>
+          <a:schemeClr val="tx1"/>
+        </a:solidFill>
+        <a:latin typeface="+mn-lt"/>
+        <a:ea typeface="+mn-ea"/>
+        <a:cs typeface="+mn-cs"/>
+      </a:defRPr>
+    </a:lvl4pPr>
+    <a:lvl5pPr marL="1828800" algn="l" defTabSz="914400" rtl="0" eaLnBrk="1" latinLnBrk="0" hangingPunct="1">
+      <a:defRPr sz="1200" kern="1200">
+        <a:solidFill>
+          <a:schemeClr val="tx1"/>
+        </a:solidFill>
+        <a:latin typeface="+mn-lt"/>
+        <a:ea typeface="+mn-ea"/>
+        <a:cs typeface="+mn-cs"/>
+      </a:defRPr>
+    </a:lvl5pPr>
+    <a:lvl6pPr marL="2286000" algn="l" defTabSz="914400" rtl="0" eaLnBrk="1" latinLnBrk="0" hangingPunct="1">
+      <a:defRPr sz="1200" kern="1200">
+        <a:solidFill>
+          <a:schemeClr val="tx1"/>
+        </a:solidFill>
+        <a:latin typeface="+mn-lt"/>
+        <a:ea typeface="+mn-ea"/>
+        <a:cs typeface="+mn-cs"/>
+      </a:defRPr>
+    </a:lvl6pPr>
+    <a:lvl7pPr marL="2743200" algn="l" defTabSz="914400" rtl="0" eaLnBrk="1" latinLnBrk="0" hangingPunct="1">
+      <a:defRPr sz="1200" kern="1200">
+        <a:solidFill>
+          <a:schemeClr val="tx1"/>
+        </a:solidFill>
+        <a:latin typeface="+mn-lt"/>
+        <a:ea typeface="+mn-ea"/>
+        <a:cs typeface="+mn-cs"/>
+      </a:defRPr>
+    </a:lvl7pPr>
+    <a:lvl8pPr marL="3200400" algn="l" defTabSz="914400" rtl="0" eaLnBrk="1" latinLnBrk="0" hangingPunct="1">
+      <a:defRPr sz="1200" kern="1200">
+        <a:solidFill>
+          <a:schemeClr val="tx1"/>
+        </a:solidFill>
+        <a:latin typeface="+mn-lt"/>
+        <a:ea typeface="+mn-ea"/>
+        <a:cs typeface="+mn-cs"/>
+      </a:defRPr>
+    </a:lvl8pPr>
+    <a:lvl9pPr marL="3657600" algn="l" defTabSz="914400" rtl="0" eaLnBrk="1" latinLnBrk="0" hangingPunct="1">
+      <a:defRPr sz="1200" kern="1200">
+        <a:solidFill>
+          <a:schemeClr val="tx1"/>
+        </a:solidFill>
+        <a:latin typeface="+mn-lt"/>
+        <a:ea typeface="+mn-ea"/>
+        <a:cs typeface="+mn-cs"/>
+      </a:defRPr>
+    </a:lvl9pPr>
+  </p:notesStyle>
+</p:notesMaster>
+</file>
+
+<file path=ppt/notesSlides/notesSlide1.xml><?xml version="1.0" encoding="utf-8"?>
+<p:notes xmlns:a="http://schemas.openxmlformats.org/drawingml/2006/main" xmlns:r="http://schemas.openxmlformats.org/officeDocument/2006/relationships" xmlns:p="http://schemas.openxmlformats.org/presentationml/2006/main">
+  <p:cSld>
+    <p:spTree>
+      <p:nvGrpSpPr>
+        <p:cNvPr id="1" name=""/>
+        <p:cNvGrpSpPr/>
+        <p:nvPr/>
+      </p:nvGrpSpPr>
+      <p:grpSpPr>
+        <a:xfrm>
+          <a:off x="0" y="0"/>
+          <a:ext cx="0" cy="0"/>
+          <a:chOff x="0" y="0"/>
+          <a:chExt cx="0" cy="0"/>
+        </a:xfrm>
+      </p:grpSpPr>
+      <p:sp>
+        <p:nvSpPr>
+          <p:cNvPr id="2" name="Slide Image Placeholder 1"/>
+          <p:cNvSpPr>
+            <a:spLocks noGrp="1" noRot="1" noChangeAspect="1"/>
+          </p:cNvSpPr>
+          <p:nvPr>
+            <p:ph type="sldImg"/>
+          </p:nvPr>
+        </p:nvSpPr>
+        <p:spPr/>
+      </p:sp>
+      <p:sp>
+        <p:nvSpPr>
+          <p:cNvPr id="3" name="Notes Placeholder 2"/>
+          <p:cNvSpPr>
+            <a:spLocks noGrp="1"/>
+          </p:cNvSpPr>
+          <p:nvPr>
+            <p:ph type="body" idx="1"/>
+          </p:nvPr>
+        </p:nvSpPr>
+        <p:spPr/>
+        <p:txBody>
+          <a:bodyPr/>
+          <a:lstStyle/>
+          <a:p>
+            <a:endParaRPr lang="en-US" dirty="0"/>
+          </a:p>
+        </p:txBody>
+      </p:sp>
+      <p:sp>
+        <p:nvSpPr>
+          <p:cNvPr id="4" name="Slide Number Placeholder 3"/>
+          <p:cNvSpPr>
+            <a:spLocks noGrp="1"/>
+          </p:cNvSpPr>
+          <p:nvPr>
+            <p:ph type="sldNum" sz="quarter" idx="5"/>
+          </p:nvPr>
+        </p:nvSpPr>
+        <p:spPr/>
+        <p:txBody>
+          <a:bodyPr/>
+          <a:lstStyle/>
+          <a:p>
+            <a:fld id="{F3AF41B7-FF84-5942-B8AF-03C7723B297E}" type="slidenum">
+              <a:rPr lang="en-US" smtClean="0"/>
+              <a:t>4</a:t>
+            </a:fld>
+            <a:endParaRPr lang="en-US"/>
+          </a:p>
+        </p:txBody>
+      </p:sp>
+    </p:spTree>
+    <p:extLst>
+      <p:ext uri="{BB962C8B-B14F-4D97-AF65-F5344CB8AC3E}">
+        <p14:creationId xmlns:p14="http://schemas.microsoft.com/office/powerpoint/2010/main" val="1776517972"/>
+      </p:ext>
+    </p:extLst>
+  </p:cSld>
+  <p:clrMapOvr>
+    <a:masterClrMapping/>
+  </p:clrMapOvr>
+</p:notes>
 </file>
 
 <file path=ppt/slideLayouts/slideLayout1.xml><?xml version="1.0" encoding="utf-8"?>
@@ -8590,7 +9026,7 @@
         </p:nvSpPr>
         <p:spPr>
           <a:xfrm>
-            <a:off x="2323606" y="1793176"/>
+            <a:off x="2540046" y="2292794"/>
             <a:ext cx="4758040" cy="1254364"/>
           </a:xfrm>
           <a:prstGeom prst="rect">
@@ -8653,8 +9089,8 @@
         </p:nvSpPr>
         <p:spPr>
           <a:xfrm>
-            <a:off x="7255825" y="4144487"/>
-            <a:ext cx="4845131" cy="1448788"/>
+            <a:off x="7340841" y="4622327"/>
+            <a:ext cx="4828032" cy="1463040"/>
           </a:xfrm>
           <a:prstGeom prst="rect">
             <a:avLst/>
@@ -8716,8 +9152,8 @@
         </p:nvSpPr>
         <p:spPr>
           <a:xfrm>
-            <a:off x="7255825" y="5593275"/>
-            <a:ext cx="4845131" cy="700647"/>
+            <a:off x="7340841" y="6106839"/>
+            <a:ext cx="4832266" cy="700647"/>
           </a:xfrm>
           <a:prstGeom prst="rect">
             <a:avLst/>
@@ -8772,7 +9208,7 @@
         </p:nvSpPr>
         <p:spPr>
           <a:xfrm>
-            <a:off x="2323606" y="3063837"/>
+            <a:off x="2540046" y="3563455"/>
             <a:ext cx="4758040" cy="479419"/>
           </a:xfrm>
           <a:prstGeom prst="rect">
@@ -8828,8 +9264,8 @@
         </p:nvSpPr>
         <p:spPr>
           <a:xfrm>
-            <a:off x="7255825" y="2232560"/>
-            <a:ext cx="4845131" cy="1888177"/>
+            <a:off x="7340246" y="2712084"/>
+            <a:ext cx="4832860" cy="1874519"/>
           </a:xfrm>
           <a:prstGeom prst="rect">
             <a:avLst/>
@@ -8884,8 +9320,8 @@
         </p:nvSpPr>
         <p:spPr>
           <a:xfrm>
-            <a:off x="2323607" y="1365664"/>
-            <a:ext cx="4758041" cy="403759"/>
+            <a:off x="2539016" y="1852930"/>
+            <a:ext cx="4754880" cy="411480"/>
           </a:xfrm>
           <a:prstGeom prst="rect">
             <a:avLst/>
@@ -8940,7 +9376,7 @@
         </p:nvSpPr>
         <p:spPr>
           <a:xfrm>
-            <a:off x="2323609" y="27578"/>
+            <a:off x="2540049" y="527196"/>
             <a:ext cx="4758043" cy="1314334"/>
           </a:xfrm>
           <a:prstGeom prst="rect">
@@ -8996,8 +9432,8 @@
         </p:nvSpPr>
         <p:spPr>
           <a:xfrm>
-            <a:off x="7255825" y="27578"/>
-            <a:ext cx="4845131" cy="2181231"/>
+            <a:off x="7340246" y="526519"/>
+            <a:ext cx="4846320" cy="2154788"/>
           </a:xfrm>
           <a:prstGeom prst="rect">
             <a:avLst/>
@@ -9052,7 +9488,7 @@
         </p:nvSpPr>
         <p:spPr>
           <a:xfrm>
-            <a:off x="2236521" y="3827"/>
+            <a:off x="2452961" y="503445"/>
             <a:ext cx="5019304" cy="3539430"/>
           </a:xfrm>
           <a:prstGeom prst="rect">
@@ -9299,14 +9735,34 @@
                 <a:latin typeface="Consolas" panose="020B0609020204030204" pitchFamily="49" charset="0"/>
                 <a:cs typeface="Consolas" panose="020B0609020204030204" pitchFamily="49" charset="0"/>
               </a:rPr>
-              <a:t>b"set</a:t>
-            </a:r>
-            <a:r>
-              <a:rPr lang="en-US" altLang="zh-CN" sz="1400" dirty="0">
-                <a:latin typeface="Consolas" panose="020B0609020204030204" pitchFamily="49" charset="0"/>
-                <a:cs typeface="Consolas" panose="020B0609020204030204" pitchFamily="49" charset="0"/>
-              </a:rPr>
-              <a:t> " { </a:t>
+              <a:t>b</a:t>
+            </a:r>
+            <a:r>
+              <a:rPr lang="en-US" altLang="zh-CN" sz="1400" dirty="0" err="1">
+                <a:solidFill>
+                  <a:srgbClr val="005DF6"/>
+                </a:solidFill>
+                <a:latin typeface="Consolas" panose="020B0609020204030204" pitchFamily="49" charset="0"/>
+                <a:cs typeface="Consolas" panose="020B0609020204030204" pitchFamily="49" charset="0"/>
+              </a:rPr>
+              <a:t>"set</a:t>
+            </a:r>
+            <a:r>
+              <a:rPr lang="en-US" altLang="zh-CN" sz="1400" dirty="0">
+                <a:solidFill>
+                  <a:srgbClr val="005DF6"/>
+                </a:solidFill>
+                <a:latin typeface="Consolas" panose="020B0609020204030204" pitchFamily="49" charset="0"/>
+                <a:cs typeface="Consolas" panose="020B0609020204030204" pitchFamily="49" charset="0"/>
+              </a:rPr>
+              <a:t> " </a:t>
+            </a:r>
+            <a:r>
+              <a:rPr lang="en-US" altLang="zh-CN" sz="1400" dirty="0">
+                <a:latin typeface="Consolas" panose="020B0609020204030204" pitchFamily="49" charset="0"/>
+                <a:cs typeface="Consolas" panose="020B0609020204030204" pitchFamily="49" charset="0"/>
+              </a:rPr>
+              <a:t>{ </a:t>
             </a:r>
             <a:r>
               <a:rPr lang="en-US" altLang="zh-CN" sz="1400" dirty="0">
@@ -9479,14 +9935,14 @@
                 <a:latin typeface="Consolas" panose="020B0609020204030204" pitchFamily="49" charset="0"/>
                 <a:cs typeface="Consolas" panose="020B0609020204030204" pitchFamily="49" charset="0"/>
               </a:rPr>
-              <a:t> 8   </a:t>
-            </a:r>
-            <a:r>
-              <a:rPr lang="en-US" altLang="zh-CN" sz="1400" dirty="0">
-                <a:latin typeface="Consolas" panose="020B0609020204030204" pitchFamily="49" charset="0"/>
-                <a:cs typeface="Consolas" panose="020B0609020204030204" pitchFamily="49" charset="0"/>
-              </a:rPr>
-              <a:t>... </a:t>
+              <a:t> 8</a:t>
+            </a:r>
+            <a:r>
+              <a:rPr lang="en-US" altLang="zh-CN" sz="1400" dirty="0">
+                <a:latin typeface="Consolas" panose="020B0609020204030204" pitchFamily="49" charset="0"/>
+                <a:cs typeface="Consolas" panose="020B0609020204030204" pitchFamily="49" charset="0"/>
+              </a:rPr>
+              <a:t>   ... </a:t>
             </a:r>
             <a:r>
               <a:rPr lang="en-US" sz="1400" dirty="0">
@@ -9511,14 +9967,14 @@
                 <a:latin typeface="Consolas" panose="020B0609020204030204" pitchFamily="49" charset="0"/>
                 <a:cs typeface="Consolas" panose="020B0609020204030204" pitchFamily="49" charset="0"/>
               </a:rPr>
-              <a:t> 9   </a:t>
-            </a:r>
-            <a:r>
-              <a:rPr lang="en-US" altLang="zh-CN" sz="1400" dirty="0">
-                <a:latin typeface="Consolas" panose="020B0609020204030204" pitchFamily="49" charset="0"/>
-                <a:cs typeface="Consolas" panose="020B0609020204030204" pitchFamily="49" charset="0"/>
-              </a:rPr>
-              <a:t>payload</a:t>
+              <a:t> 9</a:t>
+            </a:r>
+            <a:r>
+              <a:rPr lang="en-US" altLang="zh-CN" sz="1400" dirty="0">
+                <a:latin typeface="Consolas" panose="020B0609020204030204" pitchFamily="49" charset="0"/>
+                <a:cs typeface="Consolas" panose="020B0609020204030204" pitchFamily="49" charset="0"/>
+              </a:rPr>
+              <a:t>   payload</a:t>
             </a:r>
           </a:p>
           <a:p>
@@ -9614,7 +10070,7 @@
                 <a:latin typeface="Consolas" panose="020B0609020204030204" pitchFamily="49" charset="0"/>
                 <a:cs typeface="Consolas" panose="020B0609020204030204" pitchFamily="49" charset="0"/>
               </a:rPr>
-              <a:t>' ‘</a:t>
+              <a:t>' '</a:t>
             </a:r>
             <a:r>
               <a:rPr lang="en-US" altLang="zh-CN" sz="1400" dirty="0">
@@ -9673,14 +10129,14 @@
                 <a:latin typeface="Consolas" panose="020B0609020204030204" pitchFamily="49" charset="0"/>
                 <a:cs typeface="Consolas" panose="020B0609020204030204" pitchFamily="49" charset="0"/>
               </a:rPr>
-              <a:t>13 </a:t>
-            </a:r>
-            <a:r>
-              <a:rPr lang="en-US" altLang="zh-CN" sz="1400" dirty="0">
-                <a:latin typeface="Consolas" panose="020B0609020204030204" pitchFamily="49" charset="0"/>
-                <a:cs typeface="Consolas" panose="020B0609020204030204" pitchFamily="49" charset="0"/>
-              </a:rPr>
-              <a:t>     ... </a:t>
+              <a:t>13</a:t>
+            </a:r>
+            <a:r>
+              <a:rPr lang="en-US" altLang="zh-CN" sz="1400" dirty="0">
+                <a:latin typeface="Consolas" panose="020B0609020204030204" pitchFamily="49" charset="0"/>
+                <a:cs typeface="Consolas" panose="020B0609020204030204" pitchFamily="49" charset="0"/>
+              </a:rPr>
+              <a:t>      ... </a:t>
             </a:r>
             <a:r>
               <a:rPr lang="en-US" sz="1400" dirty="0">
@@ -9745,14 +10201,14 @@
                 <a:latin typeface="Consolas" panose="020B0609020204030204" pitchFamily="49" charset="0"/>
                 <a:cs typeface="Consolas" panose="020B0609020204030204" pitchFamily="49" charset="0"/>
               </a:rPr>
-              <a:t>15 </a:t>
-            </a:r>
-            <a:r>
-              <a:rPr lang="en-US" altLang="zh-CN" sz="1400" dirty="0">
-                <a:latin typeface="Consolas" panose="020B0609020204030204" pitchFamily="49" charset="0"/>
-                <a:cs typeface="Consolas" panose="020B0609020204030204" pitchFamily="49" charset="0"/>
-              </a:rPr>
-              <a:t> ... </a:t>
+              <a:t>15</a:t>
+            </a:r>
+            <a:r>
+              <a:rPr lang="en-US" altLang="zh-CN" sz="1400" dirty="0">
+                <a:latin typeface="Consolas" panose="020B0609020204030204" pitchFamily="49" charset="0"/>
+                <a:cs typeface="Consolas" panose="020B0609020204030204" pitchFamily="49" charset="0"/>
+              </a:rPr>
+              <a:t>  ... </a:t>
             </a:r>
             <a:r>
               <a:rPr lang="en-US" sz="1400" dirty="0">
@@ -9860,8 +10316,8 @@
         </p:nvSpPr>
         <p:spPr>
           <a:xfrm>
-            <a:off x="7168737" y="0"/>
-            <a:ext cx="5019304" cy="6494085"/>
+            <a:off x="7247024" y="499386"/>
+            <a:ext cx="5019304" cy="6340197"/>
           </a:xfrm>
           <a:prstGeom prst="rect">
             <a:avLst/>
@@ -9884,6 +10340,7 @@
             <a:r>
               <a:rPr lang="en-US" sz="1000" dirty="0">
                 <a:latin typeface="Consolas" panose="020B0609020204030204" pitchFamily="49" charset="0"/>
+                <a:ea typeface="Menlo" panose="020B0609030804020204" pitchFamily="49" charset="0"/>
                 <a:cs typeface="Consolas" panose="020B0609020204030204" pitchFamily="49" charset="0"/>
               </a:rPr>
               <a:t>1</a:t>
@@ -9898,6 +10355,7 @@
             <a:r>
               <a:rPr lang="en-US" altLang="zh-CN" sz="1400" dirty="0">
                 <a:latin typeface="Consolas" panose="020B0609020204030204" pitchFamily="49" charset="0"/>
+                <a:ea typeface="Menlo" panose="020B0609030804020204" pitchFamily="49" charset="0"/>
                 <a:cs typeface="Consolas" panose="020B0609020204030204" pitchFamily="49" charset="0"/>
               </a:rPr>
               <a:t>#</a:t>
@@ -9908,6 +10366,7 @@
                   <a:srgbClr val="C00000"/>
                 </a:solidFill>
                 <a:latin typeface="Consolas" panose="020B0609020204030204" pitchFamily="49" charset="0"/>
+                <a:ea typeface="Menlo" panose="020B0609030804020204" pitchFamily="49" charset="0"/>
                 <a:cs typeface="Consolas" panose="020B0609020204030204" pitchFamily="49" charset="0"/>
               </a:rPr>
               <a:t>pragma</a:t>
@@ -9915,6 +10374,7 @@
             <a:r>
               <a:rPr lang="en-US" altLang="zh-CN" sz="1400" dirty="0">
                 <a:latin typeface="Consolas" panose="020B0609020204030204" pitchFamily="49" charset="0"/>
+                <a:ea typeface="Menlo" panose="020B0609030804020204" pitchFamily="49" charset="0"/>
                 <a:cs typeface="Consolas" panose="020B0609020204030204" pitchFamily="49" charset="0"/>
               </a:rPr>
               <a:t> clang loop unroll(disable)</a:t>
@@ -9937,6 +10397,7 @@
                   <a:prstClr val="black"/>
                 </a:solidFill>
                 <a:latin typeface="Consolas" panose="020B0609020204030204" pitchFamily="49" charset="0"/>
+                <a:ea typeface="Menlo" panose="020B0609030804020204" pitchFamily="49" charset="0"/>
                 <a:cs typeface="Consolas" panose="020B0609020204030204" pitchFamily="49" charset="0"/>
               </a:rPr>
               <a:t>2</a:t>
@@ -9953,7 +10414,7 @@
                 <a:uLnTx/>
                 <a:uFillTx/>
                 <a:latin typeface="Consolas" panose="020B0609020204030204" pitchFamily="49" charset="0"/>
-                <a:ea typeface="+mn-ea"/>
+                <a:ea typeface="Menlo" panose="020B0609030804020204" pitchFamily="49" charset="0"/>
                 <a:cs typeface="Consolas" panose="020B0609020204030204" pitchFamily="49" charset="0"/>
               </a:rPr>
               <a:t> </a:t>
@@ -9964,6 +10425,7 @@
                   <a:srgbClr val="005DF6"/>
                 </a:solidFill>
                 <a:latin typeface="Consolas" panose="020B0609020204030204" pitchFamily="49" charset="0"/>
+                <a:ea typeface="Menlo" panose="020B0609030804020204" pitchFamily="49" charset="0"/>
                 <a:cs typeface="Consolas" panose="020B0609020204030204" pitchFamily="49" charset="0"/>
               </a:rPr>
               <a:t>for</a:t>
@@ -9971,6 +10433,7 @@
             <a:r>
               <a:rPr lang="en-US" altLang="zh-CN" sz="1400" dirty="0">
                 <a:latin typeface="Consolas" panose="020B0609020204030204" pitchFamily="49" charset="0"/>
+                <a:ea typeface="Menlo" panose="020B0609030804020204" pitchFamily="49" charset="0"/>
                 <a:cs typeface="Consolas" panose="020B0609020204030204" pitchFamily="49" charset="0"/>
               </a:rPr>
               <a:t> (</a:t>
@@ -9981,6 +10444,7 @@
                   <a:srgbClr val="005DF6"/>
                 </a:solidFill>
                 <a:latin typeface="Consolas" panose="020B0609020204030204" pitchFamily="49" charset="0"/>
+                <a:ea typeface="Menlo" panose="020B0609030804020204" pitchFamily="49" charset="0"/>
                 <a:cs typeface="Consolas" panose="020B0609020204030204" pitchFamily="49" charset="0"/>
               </a:rPr>
               <a:t>unsigned int </a:t>
@@ -9988,6 +10452,7 @@
             <a:r>
               <a:rPr lang="en-US" altLang="zh-CN" sz="1400" dirty="0">
                 <a:latin typeface="Consolas" panose="020B0609020204030204" pitchFamily="49" charset="0"/>
+                <a:ea typeface="Menlo" panose="020B0609030804020204" pitchFamily="49" charset="0"/>
                 <a:cs typeface="Consolas" panose="020B0609020204030204" pitchFamily="49" charset="0"/>
               </a:rPr>
               <a:t>off = 0;</a:t>
@@ -10004,6 +10469,7 @@
             <a:r>
               <a:rPr lang="en-US" altLang="zh-CN" sz="1000" dirty="0">
                 <a:latin typeface="Consolas" panose="020B0609020204030204" pitchFamily="49" charset="0"/>
+                <a:ea typeface="Menlo" panose="020B0609030804020204" pitchFamily="49" charset="0"/>
                 <a:cs typeface="Consolas" panose="020B0609020204030204" pitchFamily="49" charset="0"/>
               </a:rPr>
               <a:t>3</a:t>
@@ -10011,6 +10477,7 @@
             <a:r>
               <a:rPr lang="en-US" altLang="zh-CN" sz="1400" dirty="0">
                 <a:latin typeface="Consolas" panose="020B0609020204030204" pitchFamily="49" charset="0"/>
+                <a:ea typeface="Menlo" panose="020B0609030804020204" pitchFamily="49" charset="0"/>
                 <a:cs typeface="Consolas" panose="020B0609020204030204" pitchFamily="49" charset="0"/>
               </a:rPr>
               <a:t>  off &lt; </a:t>
@@ -10021,6 +10488,7 @@
                   <a:srgbClr val="C00000"/>
                 </a:solidFill>
                 <a:latin typeface="Consolas" panose="020B0609020204030204" pitchFamily="49" charset="0"/>
+                <a:ea typeface="Menlo" panose="020B0609030804020204" pitchFamily="49" charset="0"/>
                 <a:cs typeface="Consolas" panose="020B0609020204030204" pitchFamily="49" charset="0"/>
               </a:rPr>
               <a:t>BMC_MAX_PACKET_LENGTH </a:t>
@@ -10028,6 +10496,7 @@
             <a:r>
               <a:rPr lang="en-US" altLang="zh-CN" sz="1400" dirty="0">
                 <a:latin typeface="Consolas" panose="020B0609020204030204" pitchFamily="49" charset="0"/>
+                <a:ea typeface="Menlo" panose="020B0609030804020204" pitchFamily="49" charset="0"/>
                 <a:cs typeface="Consolas" panose="020B0609020204030204" pitchFamily="49" charset="0"/>
               </a:rPr>
               <a:t>&amp;&amp;</a:t>
@@ -10037,6 +10506,7 @@
             <a:r>
               <a:rPr lang="en-US" altLang="zh-CN" sz="1000" dirty="0">
                 <a:latin typeface="Consolas" panose="020B0609020204030204" pitchFamily="49" charset="0"/>
+                <a:ea typeface="Menlo" panose="020B0609030804020204" pitchFamily="49" charset="0"/>
                 <a:cs typeface="Consolas" panose="020B0609020204030204" pitchFamily="49" charset="0"/>
               </a:rPr>
               <a:t> 4 </a:t>
@@ -10051,6 +10521,7 @@
             <a:r>
               <a:rPr lang="en-US" altLang="zh-CN" sz="1400" dirty="0">
                 <a:latin typeface="Consolas" panose="020B0609020204030204" pitchFamily="49" charset="0"/>
+                <a:ea typeface="Menlo" panose="020B0609030804020204" pitchFamily="49" charset="0"/>
                 <a:cs typeface="Consolas" panose="020B0609020204030204" pitchFamily="49" charset="0"/>
               </a:rPr>
               <a:t>payload + off + 1 &lt;= </a:t>
@@ -10058,6 +10529,7 @@
             <a:r>
               <a:rPr lang="en-US" altLang="zh-CN" sz="1400" dirty="0" err="1">
                 <a:latin typeface="Consolas" panose="020B0609020204030204" pitchFamily="49" charset="0"/>
+                <a:ea typeface="Menlo" panose="020B0609030804020204" pitchFamily="49" charset="0"/>
                 <a:cs typeface="Consolas" panose="020B0609020204030204" pitchFamily="49" charset="0"/>
               </a:rPr>
               <a:t>data_end</a:t>
@@ -10065,6 +10537,7 @@
             <a:r>
               <a:rPr lang="en-US" altLang="zh-CN" sz="1400" dirty="0">
                 <a:latin typeface="Consolas" panose="020B0609020204030204" pitchFamily="49" charset="0"/>
+                <a:ea typeface="Menlo" panose="020B0609030804020204" pitchFamily="49" charset="0"/>
                 <a:cs typeface="Consolas" panose="020B0609020204030204" pitchFamily="49" charset="0"/>
               </a:rPr>
               <a:t>; off++) {</a:t>
@@ -10074,6 +10547,7 @@
             <a:r>
               <a:rPr lang="en-US" altLang="zh-CN" sz="1000" dirty="0">
                 <a:latin typeface="Consolas" panose="020B0609020204030204" pitchFamily="49" charset="0"/>
+                <a:ea typeface="Menlo" panose="020B0609030804020204" pitchFamily="49" charset="0"/>
                 <a:cs typeface="Consolas" panose="020B0609020204030204" pitchFamily="49" charset="0"/>
               </a:rPr>
               <a:t> 5 </a:t>
@@ -10091,6 +10565,7 @@
                   <a:srgbClr val="005DF6"/>
                 </a:solidFill>
                 <a:latin typeface="Consolas" panose="020B0609020204030204" pitchFamily="49" charset="0"/>
+                <a:ea typeface="Menlo" panose="020B0609030804020204" pitchFamily="49" charset="0"/>
                 <a:cs typeface="Consolas" panose="020B0609020204030204" pitchFamily="49" charset="0"/>
               </a:rPr>
               <a:t>if</a:t>
@@ -10098,6 +10573,7 @@
             <a:r>
               <a:rPr lang="en-US" altLang="zh-CN" sz="1400" dirty="0">
                 <a:latin typeface="Consolas" panose="020B0609020204030204" pitchFamily="49" charset="0"/>
+                <a:ea typeface="Menlo" panose="020B0609030804020204" pitchFamily="49" charset="0"/>
                 <a:cs typeface="Consolas" panose="020B0609020204030204" pitchFamily="49" charset="0"/>
               </a:rPr>
               <a:t> (</a:t>
@@ -10105,6 +10581,7 @@
             <a:r>
               <a:rPr lang="en-US" altLang="zh-CN" sz="1400" dirty="0" err="1">
                 <a:latin typeface="Consolas" panose="020B0609020204030204" pitchFamily="49" charset="0"/>
+                <a:ea typeface="Menlo" panose="020B0609030804020204" pitchFamily="49" charset="0"/>
                 <a:cs typeface="Consolas" panose="020B0609020204030204" pitchFamily="49" charset="0"/>
               </a:rPr>
               <a:t>set_found</a:t>
@@ -10112,6 +10589,7 @@
             <a:r>
               <a:rPr lang="en-US" altLang="zh-CN" sz="1400" dirty="0">
                 <a:latin typeface="Consolas" panose="020B0609020204030204" pitchFamily="49" charset="0"/>
+                <a:ea typeface="Menlo" panose="020B0609030804020204" pitchFamily="49" charset="0"/>
                 <a:cs typeface="Consolas" panose="020B0609020204030204" pitchFamily="49" charset="0"/>
               </a:rPr>
               <a:t> == 0 &amp;&amp; payload[off] == </a:t>
@@ -10122,6 +10600,7 @@
                   <a:srgbClr val="005DF6"/>
                 </a:solidFill>
                 <a:latin typeface="Consolas" panose="020B0609020204030204" pitchFamily="49" charset="0"/>
+                <a:ea typeface="Menlo" panose="020B0609030804020204" pitchFamily="49" charset="0"/>
                 <a:cs typeface="Consolas" panose="020B0609020204030204" pitchFamily="49" charset="0"/>
               </a:rPr>
               <a:t>'s'</a:t>
@@ -10129,6 +10608,7 @@
             <a:r>
               <a:rPr lang="en-US" altLang="zh-CN" sz="1400" dirty="0">
                 <a:latin typeface="Consolas" panose="020B0609020204030204" pitchFamily="49" charset="0"/>
+                <a:ea typeface="Menlo" panose="020B0609030804020204" pitchFamily="49" charset="0"/>
                 <a:cs typeface="Consolas" panose="020B0609020204030204" pitchFamily="49" charset="0"/>
               </a:rPr>
               <a:t> &amp;&amp;</a:t>
@@ -10138,6 +10618,7 @@
             <a:r>
               <a:rPr lang="en-US" altLang="zh-CN" sz="1000" dirty="0">
                 <a:latin typeface="Consolas" panose="020B0609020204030204" pitchFamily="49" charset="0"/>
+                <a:ea typeface="Menlo" panose="020B0609030804020204" pitchFamily="49" charset="0"/>
                 <a:cs typeface="Consolas" panose="020B0609020204030204" pitchFamily="49" charset="0"/>
               </a:rPr>
               <a:t> 6     </a:t>
@@ -10152,6 +10633,7 @@
             <a:r>
               <a:rPr lang="en-US" altLang="zh-CN" sz="1400" dirty="0">
                 <a:latin typeface="Consolas" panose="020B0609020204030204" pitchFamily="49" charset="0"/>
+                <a:ea typeface="Menlo" panose="020B0609030804020204" pitchFamily="49" charset="0"/>
                 <a:cs typeface="Consolas" panose="020B0609020204030204" pitchFamily="49" charset="0"/>
               </a:rPr>
               <a:t>payload + off + 3 &lt;= </a:t>
@@ -10159,6 +10641,7 @@
             <a:r>
               <a:rPr lang="en-US" altLang="zh-CN" sz="1400" dirty="0" err="1">
                 <a:latin typeface="Consolas" panose="020B0609020204030204" pitchFamily="49" charset="0"/>
+                <a:ea typeface="Menlo" panose="020B0609030804020204" pitchFamily="49" charset="0"/>
                 <a:cs typeface="Consolas" panose="020B0609020204030204" pitchFamily="49" charset="0"/>
               </a:rPr>
               <a:t>data_end</a:t>
@@ -10166,6 +10649,7 @@
             <a:r>
               <a:rPr lang="en-US" altLang="zh-CN" sz="1400" dirty="0">
                 <a:latin typeface="Consolas" panose="020B0609020204030204" pitchFamily="49" charset="0"/>
+                <a:ea typeface="Menlo" panose="020B0609030804020204" pitchFamily="49" charset="0"/>
                 <a:cs typeface="Consolas" panose="020B0609020204030204" pitchFamily="49" charset="0"/>
               </a:rPr>
               <a:t> &amp;&amp;</a:t>
@@ -10175,6 +10659,7 @@
             <a:r>
               <a:rPr lang="en-US" altLang="zh-CN" sz="1000" dirty="0">
                 <a:latin typeface="Consolas" panose="020B0609020204030204" pitchFamily="49" charset="0"/>
+                <a:ea typeface="Menlo" panose="020B0609030804020204" pitchFamily="49" charset="0"/>
                 <a:cs typeface="Consolas" panose="020B0609020204030204" pitchFamily="49" charset="0"/>
               </a:rPr>
               <a:t> 7     </a:t>
@@ -10189,6 +10674,7 @@
             <a:r>
               <a:rPr lang="en-US" altLang="zh-CN" sz="1400" dirty="0">
                 <a:latin typeface="Consolas" panose="020B0609020204030204" pitchFamily="49" charset="0"/>
+                <a:ea typeface="Menlo" panose="020B0609030804020204" pitchFamily="49" charset="0"/>
                 <a:cs typeface="Consolas" panose="020B0609020204030204" pitchFamily="49" charset="0"/>
               </a:rPr>
               <a:t>payload[off + 1] == </a:t>
@@ -10199,6 +10685,7 @@
                   <a:srgbClr val="005DF6"/>
                 </a:solidFill>
                 <a:latin typeface="Consolas" panose="020B0609020204030204" pitchFamily="49" charset="0"/>
+                <a:ea typeface="Menlo" panose="020B0609030804020204" pitchFamily="49" charset="0"/>
                 <a:cs typeface="Consolas" panose="020B0609020204030204" pitchFamily="49" charset="0"/>
               </a:rPr>
               <a:t>'e'</a:t>
@@ -10206,6 +10693,7 @@
             <a:r>
               <a:rPr lang="en-US" altLang="zh-CN" sz="1400" dirty="0">
                 <a:latin typeface="Consolas" panose="020B0609020204030204" pitchFamily="49" charset="0"/>
+                <a:ea typeface="Menlo" panose="020B0609030804020204" pitchFamily="49" charset="0"/>
                 <a:cs typeface="Consolas" panose="020B0609020204030204" pitchFamily="49" charset="0"/>
               </a:rPr>
               <a:t> &amp;&amp;</a:t>
@@ -10215,6 +10703,7 @@
             <a:r>
               <a:rPr lang="en-US" altLang="zh-CN" sz="1000" dirty="0">
                 <a:latin typeface="Consolas" panose="020B0609020204030204" pitchFamily="49" charset="0"/>
+                <a:ea typeface="Menlo" panose="020B0609030804020204" pitchFamily="49" charset="0"/>
                 <a:cs typeface="Consolas" panose="020B0609020204030204" pitchFamily="49" charset="0"/>
               </a:rPr>
               <a:t> 8     </a:t>
@@ -10229,6 +10718,7 @@
             <a:r>
               <a:rPr lang="en-US" altLang="zh-CN" sz="1400" dirty="0">
                 <a:latin typeface="Consolas" panose="020B0609020204030204" pitchFamily="49" charset="0"/>
+                <a:ea typeface="Menlo" panose="020B0609030804020204" pitchFamily="49" charset="0"/>
                 <a:cs typeface="Consolas" panose="020B0609020204030204" pitchFamily="49" charset="0"/>
               </a:rPr>
               <a:t>payload[off + 2] == </a:t>
@@ -10239,6 +10729,7 @@
                   <a:srgbClr val="005DF6"/>
                 </a:solidFill>
                 <a:latin typeface="Consolas" panose="020B0609020204030204" pitchFamily="49" charset="0"/>
+                <a:ea typeface="Menlo" panose="020B0609030804020204" pitchFamily="49" charset="0"/>
                 <a:cs typeface="Consolas" panose="020B0609020204030204" pitchFamily="49" charset="0"/>
               </a:rPr>
               <a:t>'t'</a:t>
@@ -10246,6 +10737,7 @@
             <a:r>
               <a:rPr lang="en-US" altLang="zh-CN" sz="1400" dirty="0">
                 <a:latin typeface="Consolas" panose="020B0609020204030204" pitchFamily="49" charset="0"/>
+                <a:ea typeface="Menlo" panose="020B0609030804020204" pitchFamily="49" charset="0"/>
                 <a:cs typeface="Consolas" panose="020B0609020204030204" pitchFamily="49" charset="0"/>
               </a:rPr>
               <a:t>) {</a:t>
@@ -10255,6 +10747,7 @@
             <a:r>
               <a:rPr lang="en-US" altLang="zh-CN" sz="1000" dirty="0">
                 <a:latin typeface="Consolas" panose="020B0609020204030204" pitchFamily="49" charset="0"/>
+                <a:ea typeface="Menlo" panose="020B0609030804020204" pitchFamily="49" charset="0"/>
                 <a:cs typeface="Consolas" panose="020B0609020204030204" pitchFamily="49" charset="0"/>
               </a:rPr>
               <a:t> 9   </a:t>
@@ -10269,6 +10762,7 @@
             <a:r>
               <a:rPr lang="en-US" altLang="zh-CN" sz="1400" dirty="0">
                 <a:latin typeface="Consolas" panose="020B0609020204030204" pitchFamily="49" charset="0"/>
+                <a:ea typeface="Menlo" panose="020B0609030804020204" pitchFamily="49" charset="0"/>
                 <a:cs typeface="Consolas" panose="020B0609020204030204" pitchFamily="49" charset="0"/>
               </a:rPr>
               <a:t>...</a:t>
@@ -10288,6 +10782,7 @@
                   </a:schemeClr>
                 </a:solidFill>
                 <a:latin typeface="Consolas" panose="020B0609020204030204" pitchFamily="49" charset="0"/>
+                <a:ea typeface="Menlo" panose="020B0609030804020204" pitchFamily="49" charset="0"/>
                 <a:cs typeface="Consolas" panose="020B0609020204030204" pitchFamily="49" charset="0"/>
               </a:rPr>
               <a:t>//</a:t>
@@ -10312,12 +10807,14 @@
                   </a:schemeClr>
                 </a:solidFill>
                 <a:latin typeface="Consolas" panose="020B0609020204030204" pitchFamily="49" charset="0"/>
+                <a:ea typeface="Menlo" panose="020B0609030804020204" pitchFamily="49" charset="0"/>
                 <a:cs typeface="Consolas" panose="020B0609020204030204" pitchFamily="49" charset="0"/>
               </a:rPr>
               <a:t>move offset after the SET command</a:t>
             </a:r>
             <a:endParaRPr lang="en-US" altLang="zh-CN" sz="1400" dirty="0">
               <a:latin typeface="Consolas" panose="020B0609020204030204" pitchFamily="49" charset="0"/>
+              <a:ea typeface="Menlo" panose="020B0609030804020204" pitchFamily="49" charset="0"/>
               <a:cs typeface="Consolas" panose="020B0609020204030204" pitchFamily="49" charset="0"/>
             </a:endParaRPr>
           </a:p>
@@ -10325,6 +10822,7 @@
             <a:r>
               <a:rPr lang="en-US" altLang="zh-CN" sz="1000" dirty="0">
                 <a:latin typeface="Consolas" panose="020B0609020204030204" pitchFamily="49" charset="0"/>
+                <a:ea typeface="Menlo" panose="020B0609030804020204" pitchFamily="49" charset="0"/>
                 <a:cs typeface="Consolas" panose="020B0609020204030204" pitchFamily="49" charset="0"/>
               </a:rPr>
               <a:t>10 </a:t>
@@ -10332,6 +10830,7 @@
             <a:r>
               <a:rPr lang="en-US" altLang="zh-CN" sz="1400" dirty="0">
                 <a:latin typeface="Consolas" panose="020B0609020204030204" pitchFamily="49" charset="0"/>
+                <a:ea typeface="Menlo" panose="020B0609030804020204" pitchFamily="49" charset="0"/>
                 <a:cs typeface="Consolas" panose="020B0609020204030204" pitchFamily="49" charset="0"/>
               </a:rPr>
               <a:t>   </a:t>
@@ -10339,6 +10838,7 @@
             <a:r>
               <a:rPr lang="en-US" altLang="zh-CN" sz="1400" dirty="0" err="1">
                 <a:latin typeface="Consolas" panose="020B0609020204030204" pitchFamily="49" charset="0"/>
+                <a:ea typeface="Menlo" panose="020B0609030804020204" pitchFamily="49" charset="0"/>
                 <a:cs typeface="Consolas" panose="020B0609020204030204" pitchFamily="49" charset="0"/>
               </a:rPr>
               <a:t>set_found</a:t>
@@ -10346,6 +10846,7 @@
             <a:r>
               <a:rPr lang="en-US" altLang="zh-CN" sz="1400" dirty="0">
                 <a:latin typeface="Consolas" panose="020B0609020204030204" pitchFamily="49" charset="0"/>
+                <a:ea typeface="Menlo" panose="020B0609030804020204" pitchFamily="49" charset="0"/>
                 <a:cs typeface="Consolas" panose="020B0609020204030204" pitchFamily="49" charset="0"/>
               </a:rPr>
               <a:t> = 1;</a:t>
@@ -10355,6 +10856,7 @@
             <a:r>
               <a:rPr lang="en-US" altLang="zh-CN" sz="1000" dirty="0">
                 <a:latin typeface="Consolas" panose="020B0609020204030204" pitchFamily="49" charset="0"/>
+                <a:ea typeface="Menlo" panose="020B0609030804020204" pitchFamily="49" charset="0"/>
                 <a:cs typeface="Consolas" panose="020B0609020204030204" pitchFamily="49" charset="0"/>
               </a:rPr>
               <a:t>11 </a:t>
@@ -10362,6 +10864,7 @@
             <a:r>
               <a:rPr lang="en-US" altLang="zh-CN" sz="1400" dirty="0">
                 <a:latin typeface="Consolas" panose="020B0609020204030204" pitchFamily="49" charset="0"/>
+                <a:ea typeface="Menlo" panose="020B0609030804020204" pitchFamily="49" charset="0"/>
                 <a:cs typeface="Consolas" panose="020B0609020204030204" pitchFamily="49" charset="0"/>
               </a:rPr>
               <a:t> } </a:t>
@@ -10372,6 +10875,7 @@
                   <a:srgbClr val="005DF6"/>
                 </a:solidFill>
                 <a:latin typeface="Consolas" panose="020B0609020204030204" pitchFamily="49" charset="0"/>
+                <a:ea typeface="Menlo" panose="020B0609030804020204" pitchFamily="49" charset="0"/>
                 <a:cs typeface="Consolas" panose="020B0609020204030204" pitchFamily="49" charset="0"/>
               </a:rPr>
               <a:t>else if </a:t>
@@ -10379,6 +10883,7 @@
             <a:r>
               <a:rPr lang="en-US" altLang="zh-CN" sz="1400" dirty="0">
                 <a:latin typeface="Consolas" panose="020B0609020204030204" pitchFamily="49" charset="0"/>
+                <a:ea typeface="Menlo" panose="020B0609030804020204" pitchFamily="49" charset="0"/>
                 <a:cs typeface="Consolas" panose="020B0609020204030204" pitchFamily="49" charset="0"/>
               </a:rPr>
               <a:t>(</a:t>
@@ -10386,6 +10891,7 @@
             <a:r>
               <a:rPr lang="en-US" altLang="zh-CN" sz="1400" dirty="0" err="1">
                 <a:latin typeface="Consolas" panose="020B0609020204030204" pitchFamily="49" charset="0"/>
+                <a:ea typeface="Menlo" panose="020B0609030804020204" pitchFamily="49" charset="0"/>
                 <a:cs typeface="Consolas" panose="020B0609020204030204" pitchFamily="49" charset="0"/>
               </a:rPr>
               <a:t>key_found</a:t>
@@ -10393,6 +10899,7 @@
             <a:r>
               <a:rPr lang="en-US" altLang="zh-CN" sz="1400" dirty="0">
                 <a:latin typeface="Consolas" panose="020B0609020204030204" pitchFamily="49" charset="0"/>
+                <a:ea typeface="Menlo" panose="020B0609030804020204" pitchFamily="49" charset="0"/>
                 <a:cs typeface="Consolas" panose="020B0609020204030204" pitchFamily="49" charset="0"/>
               </a:rPr>
               <a:t> == 0 &amp;&amp; </a:t>
@@ -10400,6 +10907,7 @@
             <a:r>
               <a:rPr lang="en-US" altLang="zh-CN" sz="1400" dirty="0" err="1">
                 <a:latin typeface="Consolas" panose="020B0609020204030204" pitchFamily="49" charset="0"/>
+                <a:ea typeface="Menlo" panose="020B0609030804020204" pitchFamily="49" charset="0"/>
                 <a:cs typeface="Consolas" panose="020B0609020204030204" pitchFamily="49" charset="0"/>
               </a:rPr>
               <a:t>set_found</a:t>
@@ -10407,6 +10915,7 @@
             <a:r>
               <a:rPr lang="en-US" altLang="zh-CN" sz="1400" dirty="0">
                 <a:latin typeface="Consolas" panose="020B0609020204030204" pitchFamily="49" charset="0"/>
+                <a:ea typeface="Menlo" panose="020B0609030804020204" pitchFamily="49" charset="0"/>
                 <a:cs typeface="Consolas" panose="020B0609020204030204" pitchFamily="49" charset="0"/>
               </a:rPr>
               <a:t> == 1</a:t>
@@ -10416,6 +10925,7 @@
             <a:r>
               <a:rPr lang="en-US" altLang="zh-CN" sz="1000" dirty="0">
                 <a:latin typeface="Consolas" panose="020B0609020204030204" pitchFamily="49" charset="0"/>
+                <a:ea typeface="Menlo" panose="020B0609030804020204" pitchFamily="49" charset="0"/>
                 <a:cs typeface="Consolas" panose="020B0609020204030204" pitchFamily="49" charset="0"/>
               </a:rPr>
               <a:t>12</a:t>
@@ -10423,6 +10933,7 @@
             <a:r>
               <a:rPr lang="en-US" altLang="zh-CN" sz="1400" dirty="0">
                 <a:latin typeface="Consolas" panose="020B0609020204030204" pitchFamily="49" charset="0"/>
+                <a:ea typeface="Menlo" panose="020B0609030804020204" pitchFamily="49" charset="0"/>
                 <a:cs typeface="Consolas" panose="020B0609020204030204" pitchFamily="49" charset="0"/>
               </a:rPr>
               <a:t>             &amp;&amp; payload[off] != </a:t>
@@ -10433,6 +10944,7 @@
                   <a:srgbClr val="005DF6"/>
                 </a:solidFill>
                 <a:latin typeface="Consolas" panose="020B0609020204030204" pitchFamily="49" charset="0"/>
+                <a:ea typeface="Menlo" panose="020B0609030804020204" pitchFamily="49" charset="0"/>
                 <a:cs typeface="Consolas" panose="020B0609020204030204" pitchFamily="49" charset="0"/>
               </a:rPr>
               <a:t>' '</a:t>
@@ -10440,6 +10952,7 @@
             <a:r>
               <a:rPr lang="en-US" altLang="zh-CN" sz="1400" dirty="0">
                 <a:latin typeface="Consolas" panose="020B0609020204030204" pitchFamily="49" charset="0"/>
+                <a:ea typeface="Menlo" panose="020B0609030804020204" pitchFamily="49" charset="0"/>
                 <a:cs typeface="Consolas" panose="020B0609020204030204" pitchFamily="49" charset="0"/>
               </a:rPr>
               <a:t>) {</a:t>
@@ -10449,6 +10962,7 @@
             <a:r>
               <a:rPr lang="en-US" altLang="zh-CN" sz="1000" dirty="0">
                 <a:latin typeface="Consolas" panose="020B0609020204030204" pitchFamily="49" charset="0"/>
+                <a:ea typeface="Menlo" panose="020B0609030804020204" pitchFamily="49" charset="0"/>
                 <a:cs typeface="Consolas" panose="020B0609020204030204" pitchFamily="49" charset="0"/>
               </a:rPr>
               <a:t>13  </a:t>
@@ -10456,6 +10970,7 @@
             <a:r>
               <a:rPr lang="en-US" altLang="zh-CN" sz="1400" dirty="0">
                 <a:latin typeface="Consolas" panose="020B0609020204030204" pitchFamily="49" charset="0"/>
+                <a:ea typeface="Menlo" panose="020B0609030804020204" pitchFamily="49" charset="0"/>
                 <a:cs typeface="Consolas" panose="020B0609020204030204" pitchFamily="49" charset="0"/>
               </a:rPr>
               <a:t>  if (payload[off] == </a:t>
@@ -10466,6 +10981,7 @@
                   <a:srgbClr val="005DF6"/>
                 </a:solidFill>
                 <a:latin typeface="Consolas" panose="020B0609020204030204" pitchFamily="49" charset="0"/>
+                <a:ea typeface="Menlo" panose="020B0609030804020204" pitchFamily="49" charset="0"/>
                 <a:cs typeface="Consolas" panose="020B0609020204030204" pitchFamily="49" charset="0"/>
               </a:rPr>
               <a:t>'\r'</a:t>
@@ -10473,6 +10989,7 @@
             <a:r>
               <a:rPr lang="en-US" altLang="zh-CN" sz="1400" dirty="0">
                 <a:latin typeface="Consolas" panose="020B0609020204030204" pitchFamily="49" charset="0"/>
+                <a:ea typeface="Menlo" panose="020B0609030804020204" pitchFamily="49" charset="0"/>
                 <a:cs typeface="Consolas" panose="020B0609020204030204" pitchFamily="49" charset="0"/>
               </a:rPr>
               <a:t>) {</a:t>
@@ -10482,6 +10999,7 @@
             <a:r>
               <a:rPr lang="en-US" altLang="zh-CN" sz="1000" dirty="0">
                 <a:latin typeface="Consolas" panose="020B0609020204030204" pitchFamily="49" charset="0"/>
+                <a:ea typeface="Menlo" panose="020B0609030804020204" pitchFamily="49" charset="0"/>
                 <a:cs typeface="Consolas" panose="020B0609020204030204" pitchFamily="49" charset="0"/>
               </a:rPr>
               <a:t>14 </a:t>
@@ -10489,6 +11007,7 @@
             <a:r>
               <a:rPr lang="en-US" altLang="zh-CN" sz="1400" dirty="0">
                 <a:latin typeface="Consolas" panose="020B0609020204030204" pitchFamily="49" charset="0"/>
+                <a:ea typeface="Menlo" panose="020B0609030804020204" pitchFamily="49" charset="0"/>
                 <a:cs typeface="Consolas" panose="020B0609020204030204" pitchFamily="49" charset="0"/>
               </a:rPr>
               <a:t>     </a:t>
@@ -10496,6 +11015,7 @@
             <a:r>
               <a:rPr lang="en-US" altLang="zh-CN" sz="1400" dirty="0" err="1">
                 <a:latin typeface="Consolas" panose="020B0609020204030204" pitchFamily="49" charset="0"/>
+                <a:ea typeface="Menlo" panose="020B0609030804020204" pitchFamily="49" charset="0"/>
                 <a:cs typeface="Consolas" panose="020B0609020204030204" pitchFamily="49" charset="0"/>
               </a:rPr>
               <a:t>set_found</a:t>
@@ -10503,6 +11023,7 @@
             <a:r>
               <a:rPr lang="en-US" altLang="zh-CN" sz="1400" dirty="0">
                 <a:latin typeface="Consolas" panose="020B0609020204030204" pitchFamily="49" charset="0"/>
+                <a:ea typeface="Menlo" panose="020B0609030804020204" pitchFamily="49" charset="0"/>
                 <a:cs typeface="Consolas" panose="020B0609020204030204" pitchFamily="49" charset="0"/>
               </a:rPr>
               <a:t> = 0;</a:t>
@@ -10512,6 +11033,7 @@
             <a:r>
               <a:rPr lang="en-US" altLang="zh-CN" sz="1000" dirty="0">
                 <a:latin typeface="Consolas" panose="020B0609020204030204" pitchFamily="49" charset="0"/>
+                <a:ea typeface="Menlo" panose="020B0609030804020204" pitchFamily="49" charset="0"/>
                 <a:cs typeface="Consolas" panose="020B0609020204030204" pitchFamily="49" charset="0"/>
               </a:rPr>
               <a:t>15 </a:t>
@@ -10519,6 +11041,7 @@
             <a:r>
               <a:rPr lang="en-US" altLang="zh-CN" sz="1400" dirty="0">
                 <a:latin typeface="Consolas" panose="020B0609020204030204" pitchFamily="49" charset="0"/>
+                <a:ea typeface="Menlo" panose="020B0609030804020204" pitchFamily="49" charset="0"/>
                 <a:cs typeface="Consolas" panose="020B0609020204030204" pitchFamily="49" charset="0"/>
               </a:rPr>
               <a:t>     </a:t>
@@ -10526,6 +11049,7 @@
             <a:r>
               <a:rPr lang="en-US" altLang="zh-CN" sz="1400" dirty="0" err="1">
                 <a:latin typeface="Consolas" panose="020B0609020204030204" pitchFamily="49" charset="0"/>
+                <a:ea typeface="Menlo" panose="020B0609030804020204" pitchFamily="49" charset="0"/>
                 <a:cs typeface="Consolas" panose="020B0609020204030204" pitchFamily="49" charset="0"/>
               </a:rPr>
               <a:t>key_found</a:t>
@@ -10533,6 +11057,7 @@
             <a:r>
               <a:rPr lang="en-US" altLang="zh-CN" sz="1400" dirty="0">
                 <a:latin typeface="Consolas" panose="020B0609020204030204" pitchFamily="49" charset="0"/>
+                <a:ea typeface="Menlo" panose="020B0609030804020204" pitchFamily="49" charset="0"/>
                 <a:cs typeface="Consolas" panose="020B0609020204030204" pitchFamily="49" charset="0"/>
               </a:rPr>
               <a:t> = 0;</a:t>
@@ -10542,6 +11067,7 @@
             <a:r>
               <a:rPr lang="en-US" altLang="zh-CN" sz="1000" dirty="0">
                 <a:latin typeface="Consolas" panose="020B0609020204030204" pitchFamily="49" charset="0"/>
+                <a:ea typeface="Menlo" panose="020B0609030804020204" pitchFamily="49" charset="0"/>
                 <a:cs typeface="Consolas" panose="020B0609020204030204" pitchFamily="49" charset="0"/>
               </a:rPr>
               <a:t>16 </a:t>
@@ -10549,6 +11075,7 @@
             <a:r>
               <a:rPr lang="en-US" altLang="zh-CN" sz="1400" dirty="0">
                 <a:latin typeface="Consolas" panose="020B0609020204030204" pitchFamily="49" charset="0"/>
+                <a:ea typeface="Menlo" panose="020B0609030804020204" pitchFamily="49" charset="0"/>
                 <a:cs typeface="Consolas" panose="020B0609020204030204" pitchFamily="49" charset="0"/>
               </a:rPr>
               <a:t>   } </a:t>
@@ -10559,6 +11086,7 @@
                   <a:srgbClr val="005DF6"/>
                 </a:solidFill>
                 <a:latin typeface="Consolas" panose="020B0609020204030204" pitchFamily="49" charset="0"/>
+                <a:ea typeface="Menlo" panose="020B0609030804020204" pitchFamily="49" charset="0"/>
                 <a:cs typeface="Consolas" panose="020B0609020204030204" pitchFamily="49" charset="0"/>
               </a:rPr>
               <a:t>else</a:t>
@@ -10566,6 +11094,7 @@
             <a:r>
               <a:rPr lang="en-US" altLang="zh-CN" sz="1400" dirty="0">
                 <a:latin typeface="Consolas" panose="020B0609020204030204" pitchFamily="49" charset="0"/>
+                <a:ea typeface="Menlo" panose="020B0609030804020204" pitchFamily="49" charset="0"/>
                 <a:cs typeface="Consolas" panose="020B0609020204030204" pitchFamily="49" charset="0"/>
               </a:rPr>
               <a:t> {</a:t>
@@ -10575,6 +11104,7 @@
             <a:r>
               <a:rPr lang="en-US" altLang="zh-CN" sz="1000" dirty="0">
                 <a:latin typeface="Consolas" panose="020B0609020204030204" pitchFamily="49" charset="0"/>
+                <a:ea typeface="Menlo" panose="020B0609030804020204" pitchFamily="49" charset="0"/>
                 <a:cs typeface="Consolas" panose="020B0609020204030204" pitchFamily="49" charset="0"/>
               </a:rPr>
               <a:t>17</a:t>
@@ -10582,6 +11112,7 @@
             <a:r>
               <a:rPr lang="en-US" altLang="zh-CN" sz="1400" dirty="0">
                 <a:latin typeface="Consolas" panose="020B0609020204030204" pitchFamily="49" charset="0"/>
+                <a:ea typeface="Menlo" panose="020B0609030804020204" pitchFamily="49" charset="0"/>
                 <a:cs typeface="Consolas" panose="020B0609020204030204" pitchFamily="49" charset="0"/>
               </a:rPr>
               <a:t>      ...</a:t>
@@ -10601,12 +11132,14 @@
                   </a:schemeClr>
                 </a:solidFill>
                 <a:latin typeface="Consolas" panose="020B0609020204030204" pitchFamily="49" charset="0"/>
+                <a:ea typeface="Menlo" panose="020B0609030804020204" pitchFamily="49" charset="0"/>
                 <a:cs typeface="Consolas" panose="020B0609020204030204" pitchFamily="49" charset="0"/>
               </a:rPr>
               <a:t>// found the start of the key</a:t>
             </a:r>
             <a:endParaRPr lang="en-US" altLang="zh-CN" sz="1400" dirty="0">
               <a:latin typeface="Consolas" panose="020B0609020204030204" pitchFamily="49" charset="0"/>
+              <a:ea typeface="Menlo" panose="020B0609030804020204" pitchFamily="49" charset="0"/>
               <a:cs typeface="Consolas" panose="020B0609020204030204" pitchFamily="49" charset="0"/>
             </a:endParaRPr>
           </a:p>
@@ -10614,6 +11147,7 @@
             <a:r>
               <a:rPr lang="en-US" altLang="zh-CN" sz="1000" dirty="0">
                 <a:latin typeface="Consolas" panose="020B0609020204030204" pitchFamily="49" charset="0"/>
+                <a:ea typeface="Menlo" panose="020B0609030804020204" pitchFamily="49" charset="0"/>
                 <a:cs typeface="Consolas" panose="020B0609020204030204" pitchFamily="49" charset="0"/>
               </a:rPr>
               <a:t>18 </a:t>
@@ -10621,6 +11155,7 @@
             <a:r>
               <a:rPr lang="en-US" altLang="zh-CN" sz="1400" dirty="0">
                 <a:latin typeface="Consolas" panose="020B0609020204030204" pitchFamily="49" charset="0"/>
+                <a:ea typeface="Menlo" panose="020B0609030804020204" pitchFamily="49" charset="0"/>
                 <a:cs typeface="Consolas" panose="020B0609020204030204" pitchFamily="49" charset="0"/>
               </a:rPr>
               <a:t>     </a:t>
@@ -10628,6 +11163,7 @@
             <a:r>
               <a:rPr lang="en-US" altLang="zh-CN" sz="1400" dirty="0" err="1">
                 <a:latin typeface="Consolas" panose="020B0609020204030204" pitchFamily="49" charset="0"/>
+                <a:ea typeface="Menlo" panose="020B0609030804020204" pitchFamily="49" charset="0"/>
                 <a:cs typeface="Consolas" panose="020B0609020204030204" pitchFamily="49" charset="0"/>
               </a:rPr>
               <a:t>key_found</a:t>
@@ -10635,6 +11171,7 @@
             <a:r>
               <a:rPr lang="en-US" altLang="zh-CN" sz="1400" dirty="0">
                 <a:latin typeface="Consolas" panose="020B0609020204030204" pitchFamily="49" charset="0"/>
+                <a:ea typeface="Menlo" panose="020B0609030804020204" pitchFamily="49" charset="0"/>
                 <a:cs typeface="Consolas" panose="020B0609020204030204" pitchFamily="49" charset="0"/>
               </a:rPr>
               <a:t> = 1;</a:t>
@@ -10644,6 +11181,7 @@
             <a:r>
               <a:rPr lang="en-US" altLang="zh-CN" sz="1000" dirty="0">
                 <a:latin typeface="Consolas" panose="020B0609020204030204" pitchFamily="49" charset="0"/>
+                <a:ea typeface="Menlo" panose="020B0609030804020204" pitchFamily="49" charset="0"/>
                 <a:cs typeface="Consolas" panose="020B0609020204030204" pitchFamily="49" charset="0"/>
               </a:rPr>
               <a:t>19</a:t>
@@ -10651,6 +11189,7 @@
             <a:r>
               <a:rPr lang="en-US" altLang="zh-CN" sz="1400" dirty="0">
                 <a:latin typeface="Consolas" panose="020B0609020204030204" pitchFamily="49" charset="0"/>
+                <a:ea typeface="Menlo" panose="020B0609030804020204" pitchFamily="49" charset="0"/>
                 <a:cs typeface="Consolas" panose="020B0609020204030204" pitchFamily="49" charset="0"/>
               </a:rPr>
               <a:t>    }</a:t>
@@ -10660,6 +11199,7 @@
             <a:r>
               <a:rPr lang="en-US" altLang="zh-CN" sz="1000" dirty="0">
                 <a:latin typeface="Consolas" panose="020B0609020204030204" pitchFamily="49" charset="0"/>
+                <a:ea typeface="Menlo" panose="020B0609030804020204" pitchFamily="49" charset="0"/>
                 <a:cs typeface="Consolas" panose="020B0609020204030204" pitchFamily="49" charset="0"/>
               </a:rPr>
               <a:t>20 </a:t>
@@ -10667,6 +11207,7 @@
             <a:r>
               <a:rPr lang="en-US" altLang="zh-CN" sz="1400" dirty="0">
                 <a:latin typeface="Consolas" panose="020B0609020204030204" pitchFamily="49" charset="0"/>
+                <a:ea typeface="Menlo" panose="020B0609030804020204" pitchFamily="49" charset="0"/>
                 <a:cs typeface="Consolas" panose="020B0609020204030204" pitchFamily="49" charset="0"/>
               </a:rPr>
               <a:t> } </a:t>
@@ -10677,6 +11218,7 @@
                   <a:srgbClr val="005DF6"/>
                 </a:solidFill>
                 <a:latin typeface="Consolas" panose="020B0609020204030204" pitchFamily="49" charset="0"/>
+                <a:ea typeface="Menlo" panose="020B0609030804020204" pitchFamily="49" charset="0"/>
                 <a:cs typeface="Consolas" panose="020B0609020204030204" pitchFamily="49" charset="0"/>
               </a:rPr>
               <a:t>else if </a:t>
@@ -10684,6 +11226,7 @@
             <a:r>
               <a:rPr lang="en-US" altLang="zh-CN" sz="1400" dirty="0">
                 <a:latin typeface="Consolas" panose="020B0609020204030204" pitchFamily="49" charset="0"/>
+                <a:ea typeface="Menlo" panose="020B0609030804020204" pitchFamily="49" charset="0"/>
                 <a:cs typeface="Consolas" panose="020B0609020204030204" pitchFamily="49" charset="0"/>
               </a:rPr>
               <a:t>(</a:t>
@@ -10691,6 +11234,7 @@
             <a:r>
               <a:rPr lang="en-US" altLang="zh-CN" sz="1400" dirty="0" err="1">
                 <a:latin typeface="Consolas" panose="020B0609020204030204" pitchFamily="49" charset="0"/>
+                <a:ea typeface="Menlo" panose="020B0609030804020204" pitchFamily="49" charset="0"/>
                 <a:cs typeface="Consolas" panose="020B0609020204030204" pitchFamily="49" charset="0"/>
               </a:rPr>
               <a:t>key_found</a:t>
@@ -10698,6 +11242,7 @@
             <a:r>
               <a:rPr lang="en-US" altLang="zh-CN" sz="1400" dirty="0">
                 <a:latin typeface="Consolas" panose="020B0609020204030204" pitchFamily="49" charset="0"/>
+                <a:ea typeface="Menlo" panose="020B0609030804020204" pitchFamily="49" charset="0"/>
                 <a:cs typeface="Consolas" panose="020B0609020204030204" pitchFamily="49" charset="0"/>
               </a:rPr>
               <a:t> == 1) {</a:t>
@@ -10707,6 +11252,7 @@
             <a:r>
               <a:rPr lang="en-US" altLang="zh-CN" sz="1000" dirty="0">
                 <a:latin typeface="Consolas" panose="020B0609020204030204" pitchFamily="49" charset="0"/>
+                <a:ea typeface="Menlo" panose="020B0609030804020204" pitchFamily="49" charset="0"/>
                 <a:cs typeface="Consolas" panose="020B0609020204030204" pitchFamily="49" charset="0"/>
               </a:rPr>
               <a:t>21 </a:t>
@@ -10714,6 +11260,7 @@
             <a:r>
               <a:rPr lang="en-US" altLang="zh-CN" sz="1400" dirty="0">
                 <a:latin typeface="Consolas" panose="020B0609020204030204" pitchFamily="49" charset="0"/>
+                <a:ea typeface="Menlo" panose="020B0609030804020204" pitchFamily="49" charset="0"/>
                 <a:cs typeface="Consolas" panose="020B0609020204030204" pitchFamily="49" charset="0"/>
               </a:rPr>
               <a:t>   </a:t>
@@ -10724,6 +11271,7 @@
                   <a:srgbClr val="005DF6"/>
                 </a:solidFill>
                 <a:latin typeface="Consolas" panose="020B0609020204030204" pitchFamily="49" charset="0"/>
+                <a:ea typeface="Menlo" panose="020B0609030804020204" pitchFamily="49" charset="0"/>
                 <a:cs typeface="Consolas" panose="020B0609020204030204" pitchFamily="49" charset="0"/>
               </a:rPr>
               <a:t>if</a:t>
@@ -10731,15 +11279,36 @@
             <a:r>
               <a:rPr lang="en-US" altLang="zh-CN" sz="1400" dirty="0">
                 <a:latin typeface="Consolas" panose="020B0609020204030204" pitchFamily="49" charset="0"/>
-                <a:cs typeface="Consolas" panose="020B0609020204030204" pitchFamily="49" charset="0"/>
-              </a:rPr>
-              <a:t> (payload[off] == ' ') {</a:t>
+                <a:ea typeface="Menlo" panose="020B0609030804020204" pitchFamily="49" charset="0"/>
+                <a:cs typeface="Consolas" panose="020B0609020204030204" pitchFamily="49" charset="0"/>
+              </a:rPr>
+              <a:t> (payload[off] == </a:t>
+            </a:r>
+            <a:r>
+              <a:rPr lang="en-US" altLang="zh-CN" sz="1400" dirty="0">
+                <a:solidFill>
+                  <a:srgbClr val="005DF6"/>
+                </a:solidFill>
+                <a:latin typeface="Consolas" panose="020B0609020204030204" pitchFamily="49" charset="0"/>
+                <a:ea typeface="Menlo" panose="020B0609030804020204" pitchFamily="49" charset="0"/>
+                <a:cs typeface="Consolas" panose="020B0609020204030204" pitchFamily="49" charset="0"/>
+              </a:rPr>
+              <a:t>' '</a:t>
+            </a:r>
+            <a:r>
+              <a:rPr lang="en-US" altLang="zh-CN" sz="1400" dirty="0">
+                <a:latin typeface="Consolas" panose="020B0609020204030204" pitchFamily="49" charset="0"/>
+                <a:ea typeface="Menlo" panose="020B0609030804020204" pitchFamily="49" charset="0"/>
+                <a:cs typeface="Consolas" panose="020B0609020204030204" pitchFamily="49" charset="0"/>
+              </a:rPr>
+              <a:t>) {</a:t>
             </a:r>
           </a:p>
           <a:p>
             <a:r>
               <a:rPr lang="en-US" altLang="zh-CN" sz="1000" dirty="0">
                 <a:latin typeface="Consolas" panose="020B0609020204030204" pitchFamily="49" charset="0"/>
+                <a:ea typeface="Menlo" panose="020B0609030804020204" pitchFamily="49" charset="0"/>
                 <a:cs typeface="Consolas" panose="020B0609020204030204" pitchFamily="49" charset="0"/>
               </a:rPr>
               <a:t>22 </a:t>
@@ -10747,6 +11316,7 @@
             <a:r>
               <a:rPr lang="en-US" altLang="zh-CN" sz="1400" dirty="0">
                 <a:latin typeface="Consolas" panose="020B0609020204030204" pitchFamily="49" charset="0"/>
+                <a:ea typeface="Menlo" panose="020B0609030804020204" pitchFamily="49" charset="0"/>
                 <a:cs typeface="Consolas" panose="020B0609020204030204" pitchFamily="49" charset="0"/>
               </a:rPr>
               <a:t>     ...</a:t>
@@ -10766,12 +11336,14 @@
                   </a:schemeClr>
                 </a:solidFill>
                 <a:latin typeface="Consolas" panose="020B0609020204030204" pitchFamily="49" charset="0"/>
+                <a:ea typeface="Menlo" panose="020B0609030804020204" pitchFamily="49" charset="0"/>
                 <a:cs typeface="Consolas" panose="020B0609020204030204" pitchFamily="49" charset="0"/>
               </a:rPr>
               <a:t>// found the end of the key</a:t>
             </a:r>
             <a:endParaRPr lang="en-US" altLang="zh-CN" sz="1400" dirty="0">
               <a:latin typeface="Consolas" panose="020B0609020204030204" pitchFamily="49" charset="0"/>
+              <a:ea typeface="Menlo" panose="020B0609030804020204" pitchFamily="49" charset="0"/>
               <a:cs typeface="Consolas" panose="020B0609020204030204" pitchFamily="49" charset="0"/>
             </a:endParaRPr>
           </a:p>
@@ -10779,6 +11351,7 @@
             <a:r>
               <a:rPr lang="en-US" altLang="zh-CN" sz="1000" dirty="0">
                 <a:latin typeface="Consolas" panose="020B0609020204030204" pitchFamily="49" charset="0"/>
+                <a:ea typeface="Menlo" panose="020B0609030804020204" pitchFamily="49" charset="0"/>
                 <a:cs typeface="Consolas" panose="020B0609020204030204" pitchFamily="49" charset="0"/>
               </a:rPr>
               <a:t>23 </a:t>
@@ -10786,6 +11359,7 @@
             <a:r>
               <a:rPr lang="en-US" altLang="zh-CN" sz="1400" dirty="0">
                 <a:latin typeface="Consolas" panose="020B0609020204030204" pitchFamily="49" charset="0"/>
+                <a:ea typeface="Menlo" panose="020B0609030804020204" pitchFamily="49" charset="0"/>
                 <a:cs typeface="Consolas" panose="020B0609020204030204" pitchFamily="49" charset="0"/>
               </a:rPr>
               <a:t>     </a:t>
@@ -10793,6 +11367,7 @@
             <a:r>
               <a:rPr lang="en-US" altLang="zh-CN" sz="1400" dirty="0" err="1">
                 <a:latin typeface="Consolas" panose="020B0609020204030204" pitchFamily="49" charset="0"/>
+                <a:ea typeface="Menlo" panose="020B0609030804020204" pitchFamily="49" charset="0"/>
                 <a:cs typeface="Consolas" panose="020B0609020204030204" pitchFamily="49" charset="0"/>
               </a:rPr>
               <a:t>set_found</a:t>
@@ -10800,6 +11375,7 @@
             <a:r>
               <a:rPr lang="en-US" altLang="zh-CN" sz="1400" dirty="0">
                 <a:latin typeface="Consolas" panose="020B0609020204030204" pitchFamily="49" charset="0"/>
+                <a:ea typeface="Menlo" panose="020B0609030804020204" pitchFamily="49" charset="0"/>
                 <a:cs typeface="Consolas" panose="020B0609020204030204" pitchFamily="49" charset="0"/>
               </a:rPr>
               <a:t> = 0;</a:t>
@@ -10809,6 +11385,7 @@
             <a:r>
               <a:rPr lang="en-US" altLang="zh-CN" sz="1000" dirty="0">
                 <a:latin typeface="Consolas" panose="020B0609020204030204" pitchFamily="49" charset="0"/>
+                <a:ea typeface="Menlo" panose="020B0609030804020204" pitchFamily="49" charset="0"/>
                 <a:cs typeface="Consolas" panose="020B0609020204030204" pitchFamily="49" charset="0"/>
               </a:rPr>
               <a:t>24 </a:t>
@@ -10816,6 +11393,7 @@
             <a:r>
               <a:rPr lang="en-US" altLang="zh-CN" sz="1400" dirty="0">
                 <a:latin typeface="Consolas" panose="020B0609020204030204" pitchFamily="49" charset="0"/>
+                <a:ea typeface="Menlo" panose="020B0609030804020204" pitchFamily="49" charset="0"/>
                 <a:cs typeface="Consolas" panose="020B0609020204030204" pitchFamily="49" charset="0"/>
               </a:rPr>
               <a:t>     </a:t>
@@ -10823,6 +11401,7 @@
             <a:r>
               <a:rPr lang="en-US" altLang="zh-CN" sz="1400" dirty="0" err="1">
                 <a:latin typeface="Consolas" panose="020B0609020204030204" pitchFamily="49" charset="0"/>
+                <a:ea typeface="Menlo" panose="020B0609030804020204" pitchFamily="49" charset="0"/>
                 <a:cs typeface="Consolas" panose="020B0609020204030204" pitchFamily="49" charset="0"/>
               </a:rPr>
               <a:t>key_found</a:t>
@@ -10830,6 +11409,7 @@
             <a:r>
               <a:rPr lang="en-US" altLang="zh-CN" sz="1400" dirty="0">
                 <a:latin typeface="Consolas" panose="020B0609020204030204" pitchFamily="49" charset="0"/>
+                <a:ea typeface="Menlo" panose="020B0609030804020204" pitchFamily="49" charset="0"/>
                 <a:cs typeface="Consolas" panose="020B0609020204030204" pitchFamily="49" charset="0"/>
               </a:rPr>
               <a:t> = 0;</a:t>
@@ -10839,6 +11419,7 @@
             <a:r>
               <a:rPr lang="en-US" altLang="zh-CN" sz="1000" dirty="0">
                 <a:latin typeface="Consolas" panose="020B0609020204030204" pitchFamily="49" charset="0"/>
+                <a:ea typeface="Menlo" panose="020B0609030804020204" pitchFamily="49" charset="0"/>
                 <a:cs typeface="Consolas" panose="020B0609020204030204" pitchFamily="49" charset="0"/>
               </a:rPr>
               <a:t>25 </a:t>
@@ -10846,6 +11427,7 @@
             <a:r>
               <a:rPr lang="en-US" altLang="zh-CN" sz="1400" dirty="0">
                 <a:latin typeface="Consolas" panose="020B0609020204030204" pitchFamily="49" charset="0"/>
+                <a:ea typeface="Menlo" panose="020B0609030804020204" pitchFamily="49" charset="0"/>
                 <a:cs typeface="Consolas" panose="020B0609020204030204" pitchFamily="49" charset="0"/>
               </a:rPr>
               <a:t>   } </a:t>
@@ -10856,6 +11438,7 @@
                   <a:srgbClr val="005DF6"/>
                 </a:solidFill>
                 <a:latin typeface="Consolas" panose="020B0609020204030204" pitchFamily="49" charset="0"/>
+                <a:ea typeface="Menlo" panose="020B0609030804020204" pitchFamily="49" charset="0"/>
                 <a:cs typeface="Consolas" panose="020B0609020204030204" pitchFamily="49" charset="0"/>
               </a:rPr>
               <a:t>else</a:t>
@@ -10863,6 +11446,7 @@
             <a:r>
               <a:rPr lang="en-US" altLang="zh-CN" sz="1400" dirty="0">
                 <a:latin typeface="Consolas" panose="020B0609020204030204" pitchFamily="49" charset="0"/>
+                <a:ea typeface="Menlo" panose="020B0609030804020204" pitchFamily="49" charset="0"/>
                 <a:cs typeface="Consolas" panose="020B0609020204030204" pitchFamily="49" charset="0"/>
               </a:rPr>
               <a:t> {</a:t>
@@ -10872,6 +11456,7 @@
             <a:r>
               <a:rPr lang="en-US" altLang="zh-CN" sz="1000" dirty="0">
                 <a:latin typeface="Consolas" panose="020B0609020204030204" pitchFamily="49" charset="0"/>
+                <a:ea typeface="Menlo" panose="020B0609030804020204" pitchFamily="49" charset="0"/>
                 <a:cs typeface="Consolas" panose="020B0609020204030204" pitchFamily="49" charset="0"/>
               </a:rPr>
               <a:t>26 </a:t>
@@ -10879,6 +11464,7 @@
             <a:r>
               <a:rPr lang="en-US" altLang="zh-CN" sz="1400" dirty="0">
                 <a:latin typeface="Consolas" panose="020B0609020204030204" pitchFamily="49" charset="0"/>
+                <a:ea typeface="Menlo" panose="020B0609030804020204" pitchFamily="49" charset="0"/>
                 <a:cs typeface="Consolas" panose="020B0609020204030204" pitchFamily="49" charset="0"/>
               </a:rPr>
               <a:t>     ...</a:t>
@@ -10898,6 +11484,7 @@
                   </a:schemeClr>
                 </a:solidFill>
                 <a:latin typeface="Consolas" panose="020B0609020204030204" pitchFamily="49" charset="0"/>
+                <a:ea typeface="Menlo" panose="020B0609030804020204" pitchFamily="49" charset="0"/>
                 <a:cs typeface="Consolas" panose="020B0609020204030204" pitchFamily="49" charset="0"/>
               </a:rPr>
               <a:t>// process the key with hash </a:t>
@@ -10910,12 +11497,14 @@
                   </a:schemeClr>
                 </a:solidFill>
                 <a:latin typeface="Consolas" panose="020B0609020204030204" pitchFamily="49" charset="0"/>
+                <a:ea typeface="Menlo" panose="020B0609030804020204" pitchFamily="49" charset="0"/>
                 <a:cs typeface="Consolas" panose="020B0609020204030204" pitchFamily="49" charset="0"/>
               </a:rPr>
               <a:t>func</a:t>
             </a:r>
             <a:endParaRPr lang="en-US" altLang="zh-CN" sz="1400" dirty="0">
               <a:latin typeface="Consolas" panose="020B0609020204030204" pitchFamily="49" charset="0"/>
+              <a:ea typeface="Menlo" panose="020B0609030804020204" pitchFamily="49" charset="0"/>
               <a:cs typeface="Consolas" panose="020B0609020204030204" pitchFamily="49" charset="0"/>
             </a:endParaRPr>
           </a:p>
@@ -10923,6 +11512,7 @@
             <a:r>
               <a:rPr lang="en-US" altLang="zh-CN" sz="1000" dirty="0">
                 <a:latin typeface="Consolas" panose="020B0609020204030204" pitchFamily="49" charset="0"/>
+                <a:ea typeface="Menlo" panose="020B0609030804020204" pitchFamily="49" charset="0"/>
                 <a:cs typeface="Consolas" panose="020B0609020204030204" pitchFamily="49" charset="0"/>
               </a:rPr>
               <a:t>27 </a:t>
@@ -10930,6 +11520,7 @@
             <a:r>
               <a:rPr lang="en-US" altLang="zh-CN" sz="1400" dirty="0">
                 <a:latin typeface="Consolas" panose="020B0609020204030204" pitchFamily="49" charset="0"/>
+                <a:ea typeface="Menlo" panose="020B0609030804020204" pitchFamily="49" charset="0"/>
                 <a:cs typeface="Consolas" panose="020B0609020204030204" pitchFamily="49" charset="0"/>
               </a:rPr>
               <a:t>   }     </a:t>
@@ -10942,12 +11533,14 @@
                   </a:schemeClr>
                 </a:solidFill>
                 <a:latin typeface="Consolas" panose="020B0609020204030204" pitchFamily="49" charset="0"/>
+                <a:ea typeface="Menlo" panose="020B0609030804020204" pitchFamily="49" charset="0"/>
                 <a:cs typeface="Consolas" panose="020B0609020204030204" pitchFamily="49" charset="0"/>
               </a:rPr>
               <a:t>// invalidate Memcached cache entry</a:t>
             </a:r>
             <a:endParaRPr lang="en-US" altLang="zh-CN" sz="1400" dirty="0">
               <a:latin typeface="Consolas" panose="020B0609020204030204" pitchFamily="49" charset="0"/>
+              <a:ea typeface="Menlo" panose="020B0609030804020204" pitchFamily="49" charset="0"/>
               <a:cs typeface="Consolas" panose="020B0609020204030204" pitchFamily="49" charset="0"/>
             </a:endParaRPr>
           </a:p>
@@ -10955,6 +11548,7 @@
             <a:r>
               <a:rPr lang="en-US" altLang="zh-CN" sz="1000" dirty="0">
                 <a:latin typeface="Consolas" panose="020B0609020204030204" pitchFamily="49" charset="0"/>
+                <a:ea typeface="Menlo" panose="020B0609030804020204" pitchFamily="49" charset="0"/>
                 <a:cs typeface="Consolas" panose="020B0609020204030204" pitchFamily="49" charset="0"/>
               </a:rPr>
               <a:t>28 </a:t>
@@ -10962,6 +11556,7 @@
             <a:r>
               <a:rPr lang="en-US" altLang="zh-CN" sz="1400" dirty="0">
                 <a:latin typeface="Consolas" panose="020B0609020204030204" pitchFamily="49" charset="0"/>
+                <a:ea typeface="Menlo" panose="020B0609030804020204" pitchFamily="49" charset="0"/>
                 <a:cs typeface="Consolas" panose="020B0609020204030204" pitchFamily="49" charset="0"/>
               </a:rPr>
               <a:t> }       </a:t>
@@ -10974,12 +11569,14 @@
                   </a:schemeClr>
                 </a:solidFill>
                 <a:latin typeface="Consolas" panose="020B0609020204030204" pitchFamily="49" charset="0"/>
+                <a:ea typeface="Menlo" panose="020B0609030804020204" pitchFamily="49" charset="0"/>
                 <a:cs typeface="Consolas" panose="020B0609020204030204" pitchFamily="49" charset="0"/>
               </a:rPr>
               <a:t>// if the hash matches</a:t>
             </a:r>
             <a:endParaRPr lang="en-US" altLang="zh-CN" sz="1400" dirty="0">
               <a:latin typeface="Consolas" panose="020B0609020204030204" pitchFamily="49" charset="0"/>
+              <a:ea typeface="Menlo" panose="020B0609030804020204" pitchFamily="49" charset="0"/>
               <a:cs typeface="Consolas" panose="020B0609020204030204" pitchFamily="49" charset="0"/>
             </a:endParaRPr>
           </a:p>
@@ -10987,6 +11584,7 @@
             <a:r>
               <a:rPr lang="en-US" altLang="zh-CN" sz="1000" dirty="0">
                 <a:latin typeface="Consolas" panose="020B0609020204030204" pitchFamily="49" charset="0"/>
+                <a:ea typeface="Menlo" panose="020B0609030804020204" pitchFamily="49" charset="0"/>
                 <a:cs typeface="Consolas" panose="020B0609020204030204" pitchFamily="49" charset="0"/>
               </a:rPr>
               <a:t>29</a:t>
@@ -10994,6 +11592,7 @@
             <a:r>
               <a:rPr lang="en-US" altLang="zh-CN" sz="1400" dirty="0">
                 <a:latin typeface="Consolas" panose="020B0609020204030204" pitchFamily="49" charset="0"/>
+                <a:ea typeface="Menlo" panose="020B0609030804020204" pitchFamily="49" charset="0"/>
                 <a:cs typeface="Consolas" panose="020B0609020204030204" pitchFamily="49" charset="0"/>
               </a:rPr>
               <a:t>}</a:t>
@@ -11016,10 +11615,10 @@
           <p:nvPr/>
         </p:nvPicPr>
         <p:blipFill>
-          <a:blip r:embed="rId2">
+          <a:blip r:embed="rId3">
             <a:extLst>
               <a:ext uri="{96DAC541-7B7A-43D3-8B79-37D633B846F1}">
-                <asvg:svgBlip xmlns:asvg="http://schemas.microsoft.com/office/drawing/2016/SVG/main" r:embed="rId3"/>
+                <asvg:svgBlip xmlns:asvg="http://schemas.microsoft.com/office/drawing/2016/SVG/main" r:embed="rId4"/>
               </a:ext>
             </a:extLst>
           </a:blip>
@@ -11029,7 +11628,7 @@
         </p:blipFill>
         <p:spPr>
           <a:xfrm>
-            <a:off x="11768644" y="4162895"/>
+            <a:off x="11853066" y="4658640"/>
             <a:ext cx="320040" cy="320040"/>
           </a:xfrm>
           <a:prstGeom prst="rect">
@@ -11052,10 +11651,10 @@
           <p:nvPr/>
         </p:nvPicPr>
         <p:blipFill>
-          <a:blip r:embed="rId4">
+          <a:blip r:embed="rId5">
             <a:extLst>
               <a:ext uri="{96DAC541-7B7A-43D3-8B79-37D633B846F1}">
-                <asvg:svgBlip xmlns:asvg="http://schemas.microsoft.com/office/drawing/2016/SVG/main" r:embed="rId5"/>
+                <asvg:svgBlip xmlns:asvg="http://schemas.microsoft.com/office/drawing/2016/SVG/main" r:embed="rId6"/>
               </a:ext>
             </a:extLst>
           </a:blip>
@@ -11065,7 +11664,7 @@
         </p:blipFill>
         <p:spPr>
           <a:xfrm>
-            <a:off x="11768644" y="27578"/>
+            <a:off x="11853066" y="523323"/>
             <a:ext cx="320040" cy="320040"/>
           </a:xfrm>
           <a:prstGeom prst="rect">
@@ -11088,10 +11687,10 @@
           <p:nvPr/>
         </p:nvPicPr>
         <p:blipFill>
-          <a:blip r:embed="rId6">
+          <a:blip r:embed="rId7">
             <a:extLst>
               <a:ext uri="{96DAC541-7B7A-43D3-8B79-37D633B846F1}">
-                <asvg:svgBlip xmlns:asvg="http://schemas.microsoft.com/office/drawing/2016/SVG/main" r:embed="rId7"/>
+                <asvg:svgBlip xmlns:asvg="http://schemas.microsoft.com/office/drawing/2016/SVG/main" r:embed="rId8"/>
               </a:ext>
             </a:extLst>
           </a:blip>
@@ -11101,7 +11700,7 @@
         </p:blipFill>
         <p:spPr>
           <a:xfrm>
-            <a:off x="11768644" y="2250581"/>
+            <a:off x="11853066" y="2746326"/>
             <a:ext cx="320040" cy="320040"/>
           </a:xfrm>
           <a:prstGeom prst="rect">
@@ -11124,10 +11723,10 @@
           <p:nvPr/>
         </p:nvPicPr>
         <p:blipFill>
-          <a:blip r:embed="rId8">
+          <a:blip r:embed="rId9">
             <a:extLst>
               <a:ext uri="{96DAC541-7B7A-43D3-8B79-37D633B846F1}">
-                <asvg:svgBlip xmlns:asvg="http://schemas.microsoft.com/office/drawing/2016/SVG/main" r:embed="rId9"/>
+                <asvg:svgBlip xmlns:asvg="http://schemas.microsoft.com/office/drawing/2016/SVG/main" r:embed="rId10"/>
               </a:ext>
             </a:extLst>
           </a:blip>
@@ -11137,7 +11736,7 @@
         </p:blipFill>
         <p:spPr>
           <a:xfrm>
-            <a:off x="11781509" y="5612275"/>
+            <a:off x="11865931" y="6108020"/>
             <a:ext cx="319447" cy="319447"/>
           </a:xfrm>
           <a:prstGeom prst="rect">
@@ -11160,10 +11759,10 @@
           <p:nvPr/>
         </p:nvPicPr>
         <p:blipFill>
-          <a:blip r:embed="rId4">
+          <a:blip r:embed="rId5">
             <a:extLst>
               <a:ext uri="{96DAC541-7B7A-43D3-8B79-37D633B846F1}">
-                <asvg:svgBlip xmlns:asvg="http://schemas.microsoft.com/office/drawing/2016/SVG/main" r:embed="rId5"/>
+                <asvg:svgBlip xmlns:asvg="http://schemas.microsoft.com/office/drawing/2016/SVG/main" r:embed="rId6"/>
               </a:ext>
             </a:extLst>
           </a:blip>
@@ -11173,7 +11772,7 @@
         </p:blipFill>
         <p:spPr>
           <a:xfrm>
-            <a:off x="6761606" y="27578"/>
+            <a:off x="6978046" y="527196"/>
             <a:ext cx="320040" cy="320040"/>
           </a:xfrm>
           <a:prstGeom prst="rect">
@@ -11196,10 +11795,10 @@
           <p:nvPr/>
         </p:nvPicPr>
         <p:blipFill>
-          <a:blip r:embed="rId6">
+          <a:blip r:embed="rId7">
             <a:extLst>
               <a:ext uri="{96DAC541-7B7A-43D3-8B79-37D633B846F1}">
-                <asvg:svgBlip xmlns:asvg="http://schemas.microsoft.com/office/drawing/2016/SVG/main" r:embed="rId7"/>
+                <asvg:svgBlip xmlns:asvg="http://schemas.microsoft.com/office/drawing/2016/SVG/main" r:embed="rId8"/>
               </a:ext>
             </a:extLst>
           </a:blip>
@@ -11209,7 +11808,7 @@
         </p:blipFill>
         <p:spPr>
           <a:xfrm>
-            <a:off x="6761606" y="1365663"/>
+            <a:off x="6978046" y="1865281"/>
             <a:ext cx="320040" cy="320040"/>
           </a:xfrm>
           <a:prstGeom prst="rect">
@@ -11232,10 +11831,10 @@
           <p:nvPr/>
         </p:nvPicPr>
         <p:blipFill>
-          <a:blip r:embed="rId8">
+          <a:blip r:embed="rId9">
             <a:extLst>
               <a:ext uri="{96DAC541-7B7A-43D3-8B79-37D633B846F1}">
-                <asvg:svgBlip xmlns:asvg="http://schemas.microsoft.com/office/drawing/2016/SVG/main" r:embed="rId9"/>
+                <asvg:svgBlip xmlns:asvg="http://schemas.microsoft.com/office/drawing/2016/SVG/main" r:embed="rId10"/>
               </a:ext>
             </a:extLst>
           </a:blip>
@@ -11245,7 +11844,7 @@
         </p:blipFill>
         <p:spPr>
           <a:xfrm>
-            <a:off x="6761606" y="3063197"/>
+            <a:off x="6978046" y="3562815"/>
             <a:ext cx="320040" cy="320040"/>
           </a:xfrm>
           <a:prstGeom prst="rect">
@@ -11268,10 +11867,10 @@
           <p:nvPr/>
         </p:nvPicPr>
         <p:blipFill>
-          <a:blip r:embed="rId2">
+          <a:blip r:embed="rId3">
             <a:extLst>
               <a:ext uri="{96DAC541-7B7A-43D3-8B79-37D633B846F1}">
-                <asvg:svgBlip xmlns:asvg="http://schemas.microsoft.com/office/drawing/2016/SVG/main" r:embed="rId3"/>
+                <asvg:svgBlip xmlns:asvg="http://schemas.microsoft.com/office/drawing/2016/SVG/main" r:embed="rId4"/>
               </a:ext>
             </a:extLst>
           </a:blip>
@@ -11281,7 +11880,7 @@
         </p:blipFill>
         <p:spPr>
           <a:xfrm>
-            <a:off x="6761606" y="1799115"/>
+            <a:off x="6978046" y="2298733"/>
             <a:ext cx="320040" cy="320040"/>
           </a:xfrm>
           <a:prstGeom prst="rect">
@@ -11303,7 +11902,1138 @@
         </p:nvSpPr>
         <p:spPr>
           <a:xfrm>
-            <a:off x="2249560" y="5562322"/>
+            <a:off x="-4098" y="3008636"/>
+            <a:ext cx="2482345" cy="1034238"/>
+          </a:xfrm>
+          <a:prstGeom prst="rect">
+            <a:avLst/>
+          </a:prstGeom>
+          <a:solidFill>
+            <a:schemeClr val="accent4">
+              <a:lumMod val="20000"/>
+              <a:lumOff val="80000"/>
+              <a:alpha val="50000"/>
+            </a:schemeClr>
+          </a:solidFill>
+          <a:ln>
+            <a:noFill/>
+          </a:ln>
+        </p:spPr>
+        <p:style>
+          <a:lnRef idx="2">
+            <a:schemeClr val="accent1">
+              <a:shade val="50000"/>
+            </a:schemeClr>
+          </a:lnRef>
+          <a:fillRef idx="1">
+            <a:schemeClr val="accent1"/>
+          </a:fillRef>
+          <a:effectRef idx="0">
+            <a:schemeClr val="accent1"/>
+          </a:effectRef>
+          <a:fontRef idx="minor">
+            <a:schemeClr val="lt1"/>
+          </a:fontRef>
+        </p:style>
+        <p:txBody>
+          <a:bodyPr rtlCol="0" anchor="ctr"/>
+          <a:lstStyle/>
+          <a:p>
+            <a:pPr algn="ctr"/>
+            <a:endParaRPr lang="en-US"/>
+          </a:p>
+        </p:txBody>
+      </p:sp>
+      <p:sp>
+        <p:nvSpPr>
+          <p:cNvPr id="30" name="Rectangle 29">
+            <a:extLst>
+              <a:ext uri="{FF2B5EF4-FFF2-40B4-BE49-F238E27FC236}">
+                <a16:creationId xmlns:a16="http://schemas.microsoft.com/office/drawing/2014/main" id="{BB741A0A-8112-94C3-1CAF-BEE4AB46B054}"/>
+              </a:ext>
+            </a:extLst>
+          </p:cNvPr>
+          <p:cNvSpPr/>
+          <p:nvPr/>
+        </p:nvSpPr>
+        <p:spPr>
+          <a:xfrm>
+            <a:off x="8941" y="1339319"/>
+            <a:ext cx="2475606" cy="780293"/>
+          </a:xfrm>
+          <a:prstGeom prst="rect">
+            <a:avLst/>
+          </a:prstGeom>
+          <a:solidFill>
+            <a:schemeClr val="accent2">
+              <a:lumMod val="20000"/>
+              <a:lumOff val="80000"/>
+              <a:alpha val="50000"/>
+            </a:schemeClr>
+          </a:solidFill>
+          <a:ln>
+            <a:noFill/>
+          </a:ln>
+        </p:spPr>
+        <p:style>
+          <a:lnRef idx="2">
+            <a:schemeClr val="accent1">
+              <a:shade val="50000"/>
+            </a:schemeClr>
+          </a:lnRef>
+          <a:fillRef idx="1">
+            <a:schemeClr val="accent1"/>
+          </a:fillRef>
+          <a:effectRef idx="0">
+            <a:schemeClr val="accent1"/>
+          </a:effectRef>
+          <a:fontRef idx="minor">
+            <a:schemeClr val="lt1"/>
+          </a:fontRef>
+        </p:style>
+        <p:txBody>
+          <a:bodyPr rtlCol="0" anchor="ctr"/>
+          <a:lstStyle/>
+          <a:p>
+            <a:pPr algn="ctr"/>
+            <a:endParaRPr lang="en-US"/>
+          </a:p>
+        </p:txBody>
+      </p:sp>
+      <p:sp>
+        <p:nvSpPr>
+          <p:cNvPr id="31" name="Rectangle 30">
+            <a:extLst>
+              <a:ext uri="{FF2B5EF4-FFF2-40B4-BE49-F238E27FC236}">
+                <a16:creationId xmlns:a16="http://schemas.microsoft.com/office/drawing/2014/main" id="{2AA051CE-99A8-7C8A-9D7E-93A16BC8DFAC}"/>
+              </a:ext>
+            </a:extLst>
+          </p:cNvPr>
+          <p:cNvSpPr/>
+          <p:nvPr/>
+        </p:nvSpPr>
+        <p:spPr>
+          <a:xfrm>
+            <a:off x="-1" y="527196"/>
+            <a:ext cx="2484547" cy="786449"/>
+          </a:xfrm>
+          <a:prstGeom prst="rect">
+            <a:avLst/>
+          </a:prstGeom>
+          <a:solidFill>
+            <a:schemeClr val="accent6">
+              <a:lumMod val="20000"/>
+              <a:lumOff val="80000"/>
+              <a:alpha val="50000"/>
+            </a:schemeClr>
+          </a:solidFill>
+          <a:ln>
+            <a:noFill/>
+          </a:ln>
+        </p:spPr>
+        <p:style>
+          <a:lnRef idx="2">
+            <a:schemeClr val="accent1">
+              <a:shade val="50000"/>
+            </a:schemeClr>
+          </a:lnRef>
+          <a:fillRef idx="1">
+            <a:schemeClr val="accent1"/>
+          </a:fillRef>
+          <a:effectRef idx="0">
+            <a:schemeClr val="accent1"/>
+          </a:effectRef>
+          <a:fontRef idx="minor">
+            <a:schemeClr val="lt1"/>
+          </a:fontRef>
+        </p:style>
+        <p:txBody>
+          <a:bodyPr rtlCol="0" anchor="ctr"/>
+          <a:lstStyle/>
+          <a:p>
+            <a:pPr algn="ctr"/>
+            <a:endParaRPr lang="en-US"/>
+          </a:p>
+        </p:txBody>
+      </p:sp>
+      <p:sp>
+        <p:nvSpPr>
+          <p:cNvPr id="32" name="Rectangle 31">
+            <a:extLst>
+              <a:ext uri="{FF2B5EF4-FFF2-40B4-BE49-F238E27FC236}">
+                <a16:creationId xmlns:a16="http://schemas.microsoft.com/office/drawing/2014/main" id="{7CC9A494-0FA5-8E3C-1AC2-2ED9E39E4330}"/>
+              </a:ext>
+            </a:extLst>
+          </p:cNvPr>
+          <p:cNvSpPr/>
+          <p:nvPr/>
+        </p:nvSpPr>
+        <p:spPr>
+          <a:xfrm>
+            <a:off x="-4098" y="2168796"/>
+            <a:ext cx="2482345" cy="780293"/>
+          </a:xfrm>
+          <a:prstGeom prst="rect">
+            <a:avLst/>
+          </a:prstGeom>
+          <a:solidFill>
+            <a:schemeClr val="accent3">
+              <a:lumMod val="20000"/>
+              <a:lumOff val="80000"/>
+              <a:alpha val="50000"/>
+            </a:schemeClr>
+          </a:solidFill>
+          <a:ln>
+            <a:noFill/>
+          </a:ln>
+        </p:spPr>
+        <p:style>
+          <a:lnRef idx="2">
+            <a:schemeClr val="accent1">
+              <a:shade val="50000"/>
+            </a:schemeClr>
+          </a:lnRef>
+          <a:fillRef idx="1">
+            <a:schemeClr val="accent1"/>
+          </a:fillRef>
+          <a:effectRef idx="0">
+            <a:schemeClr val="accent1"/>
+          </a:effectRef>
+          <a:fontRef idx="minor">
+            <a:schemeClr val="lt1"/>
+          </a:fontRef>
+        </p:style>
+        <p:txBody>
+          <a:bodyPr rtlCol="0" anchor="ctr"/>
+          <a:lstStyle/>
+          <a:p>
+            <a:pPr algn="ctr"/>
+            <a:endParaRPr lang="en-US">
+              <a:solidFill>
+                <a:schemeClr val="accent5">
+                  <a:lumMod val="20000"/>
+                  <a:lumOff val="80000"/>
+                </a:schemeClr>
+              </a:solidFill>
+            </a:endParaRPr>
+          </a:p>
+        </p:txBody>
+      </p:sp>
+      <p:sp>
+        <p:nvSpPr>
+          <p:cNvPr id="33" name="TextBox 32">
+            <a:extLst>
+              <a:ext uri="{FF2B5EF4-FFF2-40B4-BE49-F238E27FC236}">
+                <a16:creationId xmlns:a16="http://schemas.microsoft.com/office/drawing/2014/main" id="{963E7442-FB98-C5BB-388B-0200B7BA8526}"/>
+              </a:ext>
+            </a:extLst>
+          </p:cNvPr>
+          <p:cNvSpPr txBox="1"/>
+          <p:nvPr/>
+        </p:nvSpPr>
+        <p:spPr>
+          <a:xfrm>
+            <a:off x="-50255" y="522460"/>
+            <a:ext cx="2628891" cy="3524042"/>
+          </a:xfrm>
+          <a:prstGeom prst="rect">
+            <a:avLst/>
+          </a:prstGeom>
+          <a:noFill/>
+        </p:spPr>
+        <p:txBody>
+          <a:bodyPr wrap="square" rtlCol="0">
+            <a:spAutoFit/>
+          </a:bodyPr>
+          <a:lstStyle/>
+          <a:p>
+            <a:r>
+              <a:rPr lang="en-US" sz="1600" dirty="0">
+                <a:latin typeface="Times" pitchFamily="2" charset="0"/>
+              </a:rPr>
+              <a:t>      It extracts the SET command from the XDP payload.</a:t>
+            </a:r>
+            <a:br>
+              <a:rPr lang="en-US" sz="1600" dirty="0">
+                <a:latin typeface="Times" pitchFamily="2" charset="0"/>
+              </a:rPr>
+            </a:br>
+            <a:r>
+              <a:rPr lang="en-US" sz="500" dirty="0">
+                <a:latin typeface="Times" pitchFamily="2" charset="0"/>
+              </a:rPr>
+              <a:t> </a:t>
+            </a:r>
+          </a:p>
+          <a:p>
+            <a:r>
+              <a:rPr lang="en-US" sz="1600" dirty="0">
+                <a:latin typeface="Times" pitchFamily="2" charset="0"/>
+              </a:rPr>
+              <a:t>      SET command founded, try to figure the index of the Memcached key in payload.</a:t>
+            </a:r>
+          </a:p>
+          <a:p>
+            <a:r>
+              <a:rPr lang="en-US" sz="500" dirty="0">
+                <a:latin typeface="Times" pitchFamily="2" charset="0"/>
+              </a:rPr>
+              <a:t> </a:t>
+            </a:r>
+            <a:br>
+              <a:rPr lang="en-US" sz="1600" dirty="0">
+                <a:latin typeface="Times" pitchFamily="2" charset="0"/>
+              </a:rPr>
+            </a:br>
+            <a:r>
+              <a:rPr lang="en-US" sz="1600" dirty="0">
+                <a:latin typeface="Times" pitchFamily="2" charset="0"/>
+              </a:rPr>
+              <a:t>      If the key is found, process the key with hash function.</a:t>
+            </a:r>
+          </a:p>
+          <a:p>
+            <a:endParaRPr lang="en-US" sz="500" dirty="0">
+              <a:latin typeface="Times" pitchFamily="2" charset="0"/>
+            </a:endParaRPr>
+          </a:p>
+          <a:p>
+            <a:r>
+              <a:rPr lang="en-US" sz="1600" dirty="0">
+                <a:latin typeface="Times" pitchFamily="2" charset="0"/>
+              </a:rPr>
+              <a:t> </a:t>
+            </a:r>
+            <a:r>
+              <a:rPr lang="zh-CN" altLang="en-US" sz="1600" dirty="0">
+                <a:latin typeface="Times" pitchFamily="2" charset="0"/>
+              </a:rPr>
+              <a:t>     </a:t>
+            </a:r>
+            <a:r>
+              <a:rPr lang="en-US" sz="1600" dirty="0">
+                <a:latin typeface="Times" pitchFamily="2" charset="0"/>
+              </a:rPr>
+              <a:t>If the hash matches the calculated hash, the corresponding cache entry in the map should be invalidated</a:t>
+            </a:r>
+          </a:p>
+        </p:txBody>
+      </p:sp>
+      <p:pic>
+        <p:nvPicPr>
+          <p:cNvPr id="34" name="Graphic 33" descr="Badge 1 with solid fill">
+            <a:extLst>
+              <a:ext uri="{FF2B5EF4-FFF2-40B4-BE49-F238E27FC236}">
+                <a16:creationId xmlns:a16="http://schemas.microsoft.com/office/drawing/2014/main" id="{700B2B5C-6668-1329-7D82-F4E232043877}"/>
+              </a:ext>
+            </a:extLst>
+          </p:cNvPr>
+          <p:cNvPicPr>
+            <a:picLocks noChangeAspect="1"/>
+          </p:cNvPicPr>
+          <p:nvPr/>
+        </p:nvPicPr>
+        <p:blipFill>
+          <a:blip r:embed="rId5">
+            <a:extLst>
+              <a:ext uri="{96DAC541-7B7A-43D3-8B79-37D633B846F1}">
+                <asvg:svgBlip xmlns:asvg="http://schemas.microsoft.com/office/drawing/2016/SVG/main" r:embed="rId6"/>
+              </a:ext>
+            </a:extLst>
+          </a:blip>
+          <a:stretch>
+            <a:fillRect/>
+          </a:stretch>
+        </p:blipFill>
+        <p:spPr>
+          <a:xfrm>
+            <a:off x="-1549" y="538458"/>
+            <a:ext cx="320040" cy="320040"/>
+          </a:xfrm>
+          <a:prstGeom prst="rect">
+            <a:avLst/>
+          </a:prstGeom>
+        </p:spPr>
+      </p:pic>
+      <p:pic>
+        <p:nvPicPr>
+          <p:cNvPr id="35" name="Graphic 34" descr="Badge with solid fill">
+            <a:extLst>
+              <a:ext uri="{FF2B5EF4-FFF2-40B4-BE49-F238E27FC236}">
+                <a16:creationId xmlns:a16="http://schemas.microsoft.com/office/drawing/2014/main" id="{B2C0A68F-F222-F20C-7A30-BDE48AA830B8}"/>
+              </a:ext>
+            </a:extLst>
+          </p:cNvPr>
+          <p:cNvPicPr>
+            <a:picLocks noChangeAspect="1"/>
+          </p:cNvPicPr>
+          <p:nvPr/>
+        </p:nvPicPr>
+        <p:blipFill>
+          <a:blip r:embed="rId7">
+            <a:extLst>
+              <a:ext uri="{96DAC541-7B7A-43D3-8B79-37D633B846F1}">
+                <asvg:svgBlip xmlns:asvg="http://schemas.microsoft.com/office/drawing/2016/SVG/main" r:embed="rId8"/>
+              </a:ext>
+            </a:extLst>
+          </a:blip>
+          <a:stretch>
+            <a:fillRect/>
+          </a:stretch>
+        </p:blipFill>
+        <p:spPr>
+          <a:xfrm>
+            <a:off x="-4098" y="1342946"/>
+            <a:ext cx="320040" cy="320040"/>
+          </a:xfrm>
+          <a:prstGeom prst="rect">
+            <a:avLst/>
+          </a:prstGeom>
+        </p:spPr>
+      </p:pic>
+      <p:pic>
+        <p:nvPicPr>
+          <p:cNvPr id="36" name="Graphic 35" descr="Badge 3 with solid fill">
+            <a:extLst>
+              <a:ext uri="{FF2B5EF4-FFF2-40B4-BE49-F238E27FC236}">
+                <a16:creationId xmlns:a16="http://schemas.microsoft.com/office/drawing/2014/main" id="{39A236E1-9D0F-82A2-1FBD-609460CCCBD3}"/>
+              </a:ext>
+            </a:extLst>
+          </p:cNvPr>
+          <p:cNvPicPr>
+            <a:picLocks noChangeAspect="1"/>
+          </p:cNvPicPr>
+          <p:nvPr/>
+        </p:nvPicPr>
+        <p:blipFill>
+          <a:blip r:embed="rId3">
+            <a:extLst>
+              <a:ext uri="{96DAC541-7B7A-43D3-8B79-37D633B846F1}">
+                <asvg:svgBlip xmlns:asvg="http://schemas.microsoft.com/office/drawing/2016/SVG/main" r:embed="rId4"/>
+              </a:ext>
+            </a:extLst>
+          </a:blip>
+          <a:stretch>
+            <a:fillRect/>
+          </a:stretch>
+        </p:blipFill>
+        <p:spPr>
+          <a:xfrm>
+            <a:off x="19549" y="2146535"/>
+            <a:ext cx="340841" cy="320040"/>
+          </a:xfrm>
+          <a:prstGeom prst="rect">
+            <a:avLst/>
+          </a:prstGeom>
+        </p:spPr>
+      </p:pic>
+      <p:pic>
+        <p:nvPicPr>
+          <p:cNvPr id="37" name="Graphic 36" descr="Badge 4 with solid fill">
+            <a:extLst>
+              <a:ext uri="{FF2B5EF4-FFF2-40B4-BE49-F238E27FC236}">
+                <a16:creationId xmlns:a16="http://schemas.microsoft.com/office/drawing/2014/main" id="{AC9A0978-8E4E-FBE9-ACB1-857FE6149204}"/>
+              </a:ext>
+            </a:extLst>
+          </p:cNvPr>
+          <p:cNvPicPr>
+            <a:picLocks noChangeAspect="1"/>
+          </p:cNvPicPr>
+          <p:nvPr/>
+        </p:nvPicPr>
+        <p:blipFill>
+          <a:blip r:embed="rId9">
+            <a:extLst>
+              <a:ext uri="{96DAC541-7B7A-43D3-8B79-37D633B846F1}">
+                <asvg:svgBlip xmlns:asvg="http://schemas.microsoft.com/office/drawing/2016/SVG/main" r:embed="rId10"/>
+              </a:ext>
+            </a:extLst>
+          </a:blip>
+          <a:stretch>
+            <a:fillRect/>
+          </a:stretch>
+        </p:blipFill>
+        <p:spPr>
+          <a:xfrm>
+            <a:off x="19551" y="2976085"/>
+            <a:ext cx="320040" cy="320040"/>
+          </a:xfrm>
+          <a:prstGeom prst="rect">
+            <a:avLst/>
+          </a:prstGeom>
+        </p:spPr>
+      </p:pic>
+      <p:sp>
+        <p:nvSpPr>
+          <p:cNvPr id="21" name="Rectangle 20">
+            <a:extLst>
+              <a:ext uri="{FF2B5EF4-FFF2-40B4-BE49-F238E27FC236}">
+                <a16:creationId xmlns:a16="http://schemas.microsoft.com/office/drawing/2014/main" id="{005023A3-1E33-185B-84C7-F58C1EE72E43}"/>
+              </a:ext>
+            </a:extLst>
+          </p:cNvPr>
+          <p:cNvSpPr/>
+          <p:nvPr/>
+        </p:nvSpPr>
+        <p:spPr>
+          <a:xfrm>
+            <a:off x="2923611" y="139467"/>
+            <a:ext cx="4078003" cy="440201"/>
+          </a:xfrm>
+          <a:prstGeom prst="rect">
+            <a:avLst/>
+          </a:prstGeom>
+          <a:noFill/>
+          <a:ln>
+            <a:noFill/>
+          </a:ln>
+        </p:spPr>
+        <p:style>
+          <a:lnRef idx="2">
+            <a:schemeClr val="accent1">
+              <a:shade val="50000"/>
+            </a:schemeClr>
+          </a:lnRef>
+          <a:fillRef idx="1">
+            <a:schemeClr val="accent1"/>
+          </a:fillRef>
+          <a:effectRef idx="0">
+            <a:schemeClr val="accent1"/>
+          </a:effectRef>
+          <a:fontRef idx="minor">
+            <a:schemeClr val="lt1"/>
+          </a:fontRef>
+        </p:style>
+        <p:txBody>
+          <a:bodyPr rtlCol="0" anchor="ctr"/>
+          <a:lstStyle/>
+          <a:p>
+            <a:pPr algn="ctr"/>
+            <a:r>
+              <a:rPr lang="en-US" sz="1600" b="1" dirty="0">
+                <a:solidFill>
+                  <a:schemeClr val="tx1"/>
+                </a:solidFill>
+                <a:latin typeface="Times" pitchFamily="2" charset="0"/>
+              </a:rPr>
+              <a:t>(b) REX Implementation</a:t>
+            </a:r>
+          </a:p>
+        </p:txBody>
+      </p:sp>
+      <p:sp>
+        <p:nvSpPr>
+          <p:cNvPr id="22" name="Rectangle 21">
+            <a:extLst>
+              <a:ext uri="{FF2B5EF4-FFF2-40B4-BE49-F238E27FC236}">
+                <a16:creationId xmlns:a16="http://schemas.microsoft.com/office/drawing/2014/main" id="{1E3A8365-9DC7-6D34-D9CA-273E5B1AB00D}"/>
+              </a:ext>
+            </a:extLst>
+          </p:cNvPr>
+          <p:cNvSpPr/>
+          <p:nvPr/>
+        </p:nvSpPr>
+        <p:spPr>
+          <a:xfrm>
+            <a:off x="7347413" y="153553"/>
+            <a:ext cx="4803229" cy="440201"/>
+          </a:xfrm>
+          <a:prstGeom prst="rect">
+            <a:avLst/>
+          </a:prstGeom>
+          <a:noFill/>
+          <a:ln>
+            <a:noFill/>
+          </a:ln>
+        </p:spPr>
+        <p:style>
+          <a:lnRef idx="2">
+            <a:schemeClr val="accent1">
+              <a:shade val="50000"/>
+            </a:schemeClr>
+          </a:lnRef>
+          <a:fillRef idx="1">
+            <a:schemeClr val="accent1"/>
+          </a:fillRef>
+          <a:effectRef idx="0">
+            <a:schemeClr val="accent1"/>
+          </a:effectRef>
+          <a:fontRef idx="minor">
+            <a:schemeClr val="lt1"/>
+          </a:fontRef>
+        </p:style>
+        <p:txBody>
+          <a:bodyPr rtlCol="0" anchor="ctr"/>
+          <a:lstStyle/>
+          <a:p>
+            <a:pPr algn="ctr"/>
+            <a:r>
+              <a:rPr lang="en-US" sz="1600" b="1" dirty="0">
+                <a:solidFill>
+                  <a:schemeClr val="tx1"/>
+                </a:solidFill>
+                <a:latin typeface="Times" pitchFamily="2" charset="0"/>
+              </a:rPr>
+              <a:t>(c) Original BMC Implementation</a:t>
+            </a:r>
+          </a:p>
+        </p:txBody>
+      </p:sp>
+      <p:sp>
+        <p:nvSpPr>
+          <p:cNvPr id="23" name="Rectangle 22">
+            <a:extLst>
+              <a:ext uri="{FF2B5EF4-FFF2-40B4-BE49-F238E27FC236}">
+                <a16:creationId xmlns:a16="http://schemas.microsoft.com/office/drawing/2014/main" id="{1CE35A57-781D-448C-79A2-01CC8430EFF8}"/>
+              </a:ext>
+            </a:extLst>
+          </p:cNvPr>
+          <p:cNvSpPr/>
+          <p:nvPr/>
+        </p:nvSpPr>
+        <p:spPr>
+          <a:xfrm>
+            <a:off x="-245356" y="139467"/>
+            <a:ext cx="3019092" cy="440201"/>
+          </a:xfrm>
+          <a:prstGeom prst="rect">
+            <a:avLst/>
+          </a:prstGeom>
+          <a:noFill/>
+          <a:ln>
+            <a:noFill/>
+          </a:ln>
+        </p:spPr>
+        <p:style>
+          <a:lnRef idx="2">
+            <a:schemeClr val="accent1">
+              <a:shade val="50000"/>
+            </a:schemeClr>
+          </a:lnRef>
+          <a:fillRef idx="1">
+            <a:schemeClr val="accent1"/>
+          </a:fillRef>
+          <a:effectRef idx="0">
+            <a:schemeClr val="accent1"/>
+          </a:effectRef>
+          <a:fontRef idx="minor">
+            <a:schemeClr val="lt1"/>
+          </a:fontRef>
+        </p:style>
+        <p:txBody>
+          <a:bodyPr rtlCol="0" anchor="ctr"/>
+          <a:lstStyle/>
+          <a:p>
+            <a:pPr algn="ctr"/>
+            <a:r>
+              <a:rPr lang="en-US" sz="1600" b="1" dirty="0">
+                <a:solidFill>
+                  <a:schemeClr val="tx1"/>
+                </a:solidFill>
+                <a:latin typeface="Times" pitchFamily="2" charset="0"/>
+              </a:rPr>
+              <a:t>(a) Algorithm Description</a:t>
+            </a:r>
+          </a:p>
+        </p:txBody>
+      </p:sp>
+      <p:sp>
+        <p:nvSpPr>
+          <p:cNvPr id="24" name="Rectangle 23">
+            <a:extLst>
+              <a:ext uri="{FF2B5EF4-FFF2-40B4-BE49-F238E27FC236}">
+                <a16:creationId xmlns:a16="http://schemas.microsoft.com/office/drawing/2014/main" id="{2E3387EB-FB63-2A18-B4CD-45CCC84E65BC}"/>
+              </a:ext>
+            </a:extLst>
+          </p:cNvPr>
+          <p:cNvSpPr/>
+          <p:nvPr/>
+        </p:nvSpPr>
+        <p:spPr>
+          <a:xfrm>
+            <a:off x="6080827" y="278472"/>
+            <a:ext cx="115614" cy="190137"/>
+          </a:xfrm>
+          <a:prstGeom prst="rect">
+            <a:avLst/>
+          </a:prstGeom>
+        </p:spPr>
+        <p:style>
+          <a:lnRef idx="2">
+            <a:schemeClr val="accent6">
+              <a:shade val="50000"/>
+            </a:schemeClr>
+          </a:lnRef>
+          <a:fillRef idx="1">
+            <a:schemeClr val="accent6"/>
+          </a:fillRef>
+          <a:effectRef idx="0">
+            <a:schemeClr val="accent6"/>
+          </a:effectRef>
+          <a:fontRef idx="minor">
+            <a:schemeClr val="lt1"/>
+          </a:fontRef>
+        </p:style>
+        <p:txBody>
+          <a:bodyPr rtlCol="0" anchor="ctr"/>
+          <a:lstStyle/>
+          <a:p>
+            <a:pPr algn="ctr"/>
+            <a:endParaRPr lang="en-US"/>
+          </a:p>
+        </p:txBody>
+      </p:sp>
+      <p:sp>
+        <p:nvSpPr>
+          <p:cNvPr id="26" name="Rectangle 25">
+            <a:extLst>
+              <a:ext uri="{FF2B5EF4-FFF2-40B4-BE49-F238E27FC236}">
+                <a16:creationId xmlns:a16="http://schemas.microsoft.com/office/drawing/2014/main" id="{AA08FE57-1C6D-8693-37F9-D6C0FDA932C3}"/>
+              </a:ext>
+            </a:extLst>
+          </p:cNvPr>
+          <p:cNvSpPr/>
+          <p:nvPr/>
+        </p:nvSpPr>
+        <p:spPr>
+          <a:xfrm>
+            <a:off x="11293034" y="278472"/>
+            <a:ext cx="115614" cy="190137"/>
+          </a:xfrm>
+          <a:prstGeom prst="rect">
+            <a:avLst/>
+          </a:prstGeom>
+        </p:spPr>
+        <p:style>
+          <a:lnRef idx="2">
+            <a:schemeClr val="accent1">
+              <a:shade val="50000"/>
+            </a:schemeClr>
+          </a:lnRef>
+          <a:fillRef idx="1">
+            <a:schemeClr val="accent1"/>
+          </a:fillRef>
+          <a:effectRef idx="0">
+            <a:schemeClr val="accent1"/>
+          </a:effectRef>
+          <a:fontRef idx="minor">
+            <a:schemeClr val="lt1"/>
+          </a:fontRef>
+        </p:style>
+        <p:txBody>
+          <a:bodyPr rtlCol="0" anchor="ctr"/>
+          <a:lstStyle/>
+          <a:p>
+            <a:pPr algn="ctr"/>
+            <a:endParaRPr lang="en-US"/>
+          </a:p>
+        </p:txBody>
+      </p:sp>
+      <p:sp>
+        <p:nvSpPr>
+          <p:cNvPr id="27" name="Rectangle 26">
+            <a:extLst>
+              <a:ext uri="{FF2B5EF4-FFF2-40B4-BE49-F238E27FC236}">
+                <a16:creationId xmlns:a16="http://schemas.microsoft.com/office/drawing/2014/main" id="{56A4EC1A-408B-4EFC-D730-A092747D99EA}"/>
+              </a:ext>
+            </a:extLst>
+          </p:cNvPr>
+          <p:cNvSpPr/>
+          <p:nvPr/>
+        </p:nvSpPr>
+        <p:spPr>
+          <a:xfrm>
+            <a:off x="8941" y="4079053"/>
+            <a:ext cx="7284955" cy="2728433"/>
+          </a:xfrm>
+          <a:prstGeom prst="rect">
+            <a:avLst/>
+          </a:prstGeom>
+          <a:noFill/>
+          <a:ln w="19050"/>
+        </p:spPr>
+        <p:style>
+          <a:lnRef idx="2">
+            <a:schemeClr val="accent1">
+              <a:shade val="50000"/>
+            </a:schemeClr>
+          </a:lnRef>
+          <a:fillRef idx="1">
+            <a:schemeClr val="accent1"/>
+          </a:fillRef>
+          <a:effectRef idx="0">
+            <a:schemeClr val="accent1"/>
+          </a:effectRef>
+          <a:fontRef idx="minor">
+            <a:schemeClr val="lt1"/>
+          </a:fontRef>
+        </p:style>
+        <p:txBody>
+          <a:bodyPr tIns="0" bIns="0" rtlCol="0" anchor="ctr"/>
+          <a:lstStyle/>
+          <a:p>
+            <a:r>
+              <a:rPr lang="en-US" sz="1600" dirty="0">
+                <a:solidFill>
+                  <a:schemeClr val="tx1"/>
+                </a:solidFill>
+                <a:latin typeface="Times" pitchFamily="2" charset="0"/>
+              </a:rPr>
+              <a:t>• The checks required previously by the verifier, including these for offset and   </a:t>
+            </a:r>
+          </a:p>
+          <a:p>
+            <a:r>
+              <a:rPr lang="en-US" sz="1600" dirty="0">
+                <a:solidFill>
+                  <a:schemeClr val="tx1"/>
+                </a:solidFill>
+                <a:latin typeface="Times" pitchFamily="2" charset="0"/>
+              </a:rPr>
+              <a:t>  </a:t>
+            </a:r>
+            <a:r>
+              <a:rPr lang="en-US" sz="1600" dirty="0" err="1">
+                <a:solidFill>
+                  <a:schemeClr val="tx1"/>
+                </a:solidFill>
+                <a:latin typeface="Times" pitchFamily="2" charset="0"/>
+              </a:rPr>
+              <a:t>data_end</a:t>
+            </a:r>
+            <a:r>
+              <a:rPr lang="en-US" sz="1600" dirty="0">
+                <a:solidFill>
+                  <a:schemeClr val="tx1"/>
+                </a:solidFill>
+                <a:latin typeface="Times" pitchFamily="2" charset="0"/>
+              </a:rPr>
+              <a:t> limits (</a:t>
+            </a:r>
+            <a:r>
+              <a:rPr lang="en-US" sz="1600" b="1" dirty="0">
+                <a:solidFill>
+                  <a:schemeClr val="accent5">
+                    <a:lumMod val="50000"/>
+                  </a:schemeClr>
+                </a:solidFill>
+                <a:latin typeface="Times" pitchFamily="2" charset="0"/>
+              </a:rPr>
+              <a:t>L6   </a:t>
+            </a:r>
+            <a:r>
+              <a:rPr lang="en-US" sz="1600" dirty="0">
+                <a:solidFill>
+                  <a:schemeClr val="tx1"/>
+                </a:solidFill>
+                <a:latin typeface="Times" pitchFamily="2" charset="0"/>
+              </a:rPr>
+              <a:t>), are now being enforced via the inherent language features of </a:t>
+            </a:r>
+          </a:p>
+          <a:p>
+            <a:r>
+              <a:rPr lang="en-US" sz="1600" dirty="0">
+                <a:solidFill>
+                  <a:schemeClr val="tx1"/>
+                </a:solidFill>
+                <a:latin typeface="Times" pitchFamily="2" charset="0"/>
+              </a:rPr>
+              <a:t>  Rust, such as the slice that implements bound checks (</a:t>
+            </a:r>
+            <a:r>
+              <a:rPr lang="en-US" sz="1600" b="1" dirty="0">
+                <a:solidFill>
+                  <a:schemeClr val="accent6">
+                    <a:lumMod val="50000"/>
+                  </a:schemeClr>
+                </a:solidFill>
+                <a:latin typeface="Times" pitchFamily="2" charset="0"/>
+              </a:rPr>
+              <a:t>L2   </a:t>
+            </a:r>
+            <a:r>
+              <a:rPr lang="en-US" sz="1600" dirty="0">
+                <a:solidFill>
+                  <a:schemeClr val="tx1"/>
+                </a:solidFill>
+                <a:latin typeface="Times" pitchFamily="2" charset="0"/>
+              </a:rPr>
+              <a:t>) and (</a:t>
+            </a:r>
+            <a:r>
+              <a:rPr lang="en-US" sz="1600" b="1" dirty="0">
+                <a:solidFill>
+                  <a:schemeClr val="accent6">
+                    <a:lumMod val="50000"/>
+                  </a:schemeClr>
+                </a:solidFill>
+                <a:latin typeface="Times" pitchFamily="2" charset="0"/>
+              </a:rPr>
+              <a:t>L10   </a:t>
+            </a:r>
+            <a:r>
+              <a:rPr lang="en-US" sz="1600" dirty="0">
+                <a:solidFill>
+                  <a:schemeClr val="tx1"/>
+                </a:solidFill>
+                <a:latin typeface="Times" pitchFamily="2" charset="0"/>
+              </a:rPr>
+              <a:t>). </a:t>
+            </a:r>
+          </a:p>
+          <a:p>
+            <a:r>
+              <a:rPr lang="en-US" sz="1600" dirty="0">
+                <a:solidFill>
+                  <a:schemeClr val="tx1"/>
+                </a:solidFill>
+                <a:latin typeface="Times" pitchFamily="2" charset="0"/>
+              </a:rPr>
+              <a:t>The four levels of nesting (</a:t>
+            </a:r>
+            <a:r>
+              <a:rPr lang="en-US" sz="1600" b="1" dirty="0">
+                <a:solidFill>
+                  <a:schemeClr val="accent5">
+                    <a:lumMod val="50000"/>
+                  </a:schemeClr>
+                </a:solidFill>
+                <a:latin typeface="Times" pitchFamily="2" charset="0"/>
+              </a:rPr>
+              <a:t>L5,11,20   </a:t>
+            </a:r>
+            <a:r>
+              <a:rPr lang="en-US" sz="1600" dirty="0">
+                <a:solidFill>
+                  <a:schemeClr val="tx1"/>
+                </a:solidFill>
+                <a:latin typeface="Times" pitchFamily="2" charset="0"/>
+              </a:rPr>
+              <a:t>), is significantly reduced by converting a </a:t>
+            </a:r>
+          </a:p>
+          <a:p>
+            <a:r>
+              <a:rPr lang="en-US" sz="1400" dirty="0">
+                <a:solidFill>
+                  <a:srgbClr val="005DF6"/>
+                </a:solidFill>
+                <a:latin typeface="Consolas" panose="020B0609020204030204" pitchFamily="49" charset="0"/>
+                <a:ea typeface="Menlo" panose="020B0609030804020204" pitchFamily="49" charset="0"/>
+                <a:cs typeface="Consolas" panose="020B0609020204030204" pitchFamily="49" charset="0"/>
+              </a:rPr>
+              <a:t>for</a:t>
+            </a:r>
+            <a:r>
+              <a:rPr lang="en-US" sz="1600" dirty="0">
+                <a:solidFill>
+                  <a:schemeClr val="tx1"/>
+                </a:solidFill>
+                <a:latin typeface="Times" pitchFamily="2" charset="0"/>
+              </a:rPr>
+              <a:t>-loop (</a:t>
+            </a:r>
+            <a:r>
+              <a:rPr lang="en-US" sz="1600" b="1" dirty="0">
+                <a:solidFill>
+                  <a:schemeClr val="accent5">
+                    <a:lumMod val="50000"/>
+                  </a:schemeClr>
+                </a:solidFill>
+                <a:latin typeface="Times" pitchFamily="2" charset="0"/>
+              </a:rPr>
+              <a:t>L2   </a:t>
+            </a:r>
+            <a:r>
+              <a:rPr lang="en-US" sz="1600" dirty="0">
+                <a:solidFill>
+                  <a:schemeClr val="tx1"/>
+                </a:solidFill>
+                <a:latin typeface="Times" pitchFamily="2" charset="0"/>
+              </a:rPr>
+              <a:t>), with intricate conditions (</a:t>
+            </a:r>
+            <a:r>
+              <a:rPr lang="en-US" sz="1600" b="1" dirty="0">
+                <a:solidFill>
+                  <a:schemeClr val="accent5">
+                    <a:lumMod val="50000"/>
+                  </a:schemeClr>
+                </a:solidFill>
+                <a:latin typeface="Times" pitchFamily="2" charset="0"/>
+              </a:rPr>
+              <a:t>L4   </a:t>
+            </a:r>
+            <a:r>
+              <a:rPr lang="en-US" sz="1600" dirty="0">
+                <a:solidFill>
+                  <a:schemeClr val="tx1"/>
+                </a:solidFill>
+                <a:latin typeface="Times" pitchFamily="2" charset="0"/>
+              </a:rPr>
+              <a:t>) into a clean chain of higher-order functions with closures through the </a:t>
+            </a:r>
+            <a:r>
+              <a:rPr lang="en-US" sz="1600" dirty="0" err="1">
+                <a:solidFill>
+                  <a:schemeClr val="tx1"/>
+                </a:solidFill>
+                <a:latin typeface="Times" pitchFamily="2" charset="0"/>
+              </a:rPr>
+              <a:t>take_while</a:t>
+            </a:r>
+            <a:r>
+              <a:rPr lang="en-US" sz="1600" dirty="0">
+                <a:solidFill>
+                  <a:schemeClr val="tx1"/>
+                </a:solidFill>
+                <a:latin typeface="Times" pitchFamily="2" charset="0"/>
+              </a:rPr>
+              <a:t> (</a:t>
+            </a:r>
+            <a:r>
+              <a:rPr lang="en-US" sz="1600" b="1" dirty="0">
+                <a:solidFill>
+                  <a:schemeClr val="accent6">
+                    <a:lumMod val="50000"/>
+                  </a:schemeClr>
+                </a:solidFill>
+                <a:latin typeface="Times" pitchFamily="2" charset="0"/>
+              </a:rPr>
+              <a:t>L11   </a:t>
+            </a:r>
+            <a:r>
+              <a:rPr lang="en-US" sz="1600" dirty="0">
+                <a:solidFill>
+                  <a:schemeClr val="tx1"/>
+                </a:solidFill>
+                <a:latin typeface="Times" pitchFamily="2" charset="0"/>
+              </a:rPr>
+              <a:t>), which will filter the Memcached SET key (</a:t>
+            </a:r>
+            <a:r>
+              <a:rPr lang="en-US" sz="1600" b="1" dirty="0">
+                <a:solidFill>
+                  <a:schemeClr val="accent6">
+                    <a:lumMod val="50000"/>
+                  </a:schemeClr>
+                </a:solidFill>
+                <a:latin typeface="Times" pitchFamily="2" charset="0"/>
+              </a:rPr>
+              <a:t>L5   </a:t>
+            </a:r>
+            <a:r>
+              <a:rPr lang="en-US" sz="1600" dirty="0">
+                <a:solidFill>
+                  <a:schemeClr val="tx1"/>
+                </a:solidFill>
+                <a:latin typeface="Times" pitchFamily="2" charset="0"/>
+              </a:rPr>
+              <a:t>) from the payload with the iterator generated by </a:t>
+            </a:r>
+            <a:r>
+              <a:rPr lang="en-US" sz="1600" dirty="0" err="1">
+                <a:solidFill>
+                  <a:schemeClr val="tx1"/>
+                </a:solidFill>
+                <a:latin typeface="Times" pitchFamily="2" charset="0"/>
+              </a:rPr>
+              <a:t>filter_map</a:t>
+            </a:r>
+            <a:r>
+              <a:rPr lang="en-US" sz="1600" dirty="0">
+                <a:solidFill>
+                  <a:schemeClr val="tx1"/>
+                </a:solidFill>
+                <a:latin typeface="Times" pitchFamily="2" charset="0"/>
+              </a:rPr>
+              <a:t> (</a:t>
+            </a:r>
+            <a:r>
+              <a:rPr lang="en-US" sz="1600" b="1" dirty="0">
+                <a:solidFill>
+                  <a:schemeClr val="accent6">
+                    <a:lumMod val="50000"/>
+                  </a:schemeClr>
+                </a:solidFill>
+                <a:latin typeface="Times" pitchFamily="2" charset="0"/>
+              </a:rPr>
+              <a:t>L4   </a:t>
+            </a:r>
+            <a:r>
+              <a:rPr lang="en-US" sz="1600" dirty="0">
+                <a:solidFill>
+                  <a:schemeClr val="tx1"/>
+                </a:solidFill>
+                <a:latin typeface="Times" pitchFamily="2" charset="0"/>
+              </a:rPr>
+              <a:t>), thus dividing the code into three distinct sequential parts.</a:t>
+            </a:r>
+          </a:p>
+          <a:p>
+            <a:endParaRPr lang="en-US" sz="1600" dirty="0">
+              <a:solidFill>
+                <a:schemeClr val="tx1"/>
+              </a:solidFill>
+              <a:latin typeface="Times" pitchFamily="2" charset="0"/>
+            </a:endParaRPr>
+          </a:p>
+          <a:p>
+            <a:endParaRPr lang="en-US" sz="1600" dirty="0">
+              <a:solidFill>
+                <a:schemeClr val="tx1"/>
+              </a:solidFill>
+              <a:latin typeface="Times" pitchFamily="2" charset="0"/>
+            </a:endParaRPr>
+          </a:p>
+        </p:txBody>
+      </p:sp>
+    </p:spTree>
+    <p:extLst>
+      <p:ext uri="{BB962C8B-B14F-4D97-AF65-F5344CB8AC3E}">
+        <p14:creationId xmlns:p14="http://schemas.microsoft.com/office/powerpoint/2010/main" val="4145552429"/>
+      </p:ext>
+    </p:extLst>
+  </p:cSld>
+  <p:clrMapOvr>
+    <a:masterClrMapping/>
+  </p:clrMapOvr>
+</p:sld>
+</file>
+
+<file path=ppt/slides/slide5.xml><?xml version="1.0" encoding="utf-8"?>
+<p:sld xmlns:a="http://schemas.openxmlformats.org/drawingml/2006/main" xmlns:r="http://schemas.openxmlformats.org/officeDocument/2006/relationships" xmlns:p="http://schemas.openxmlformats.org/presentationml/2006/main">
+  <p:cSld>
+    <p:spTree>
+      <p:nvGrpSpPr>
+        <p:cNvPr id="1" name=""/>
+        <p:cNvGrpSpPr/>
+        <p:nvPr/>
+      </p:nvGrpSpPr>
+      <p:grpSpPr>
+        <a:xfrm>
+          <a:off x="0" y="0"/>
+          <a:ext cx="0" cy="0"/>
+          <a:chOff x="0" y="0"/>
+          <a:chExt cx="0" cy="0"/>
+        </a:xfrm>
+      </p:grpSpPr>
+      <p:sp>
+        <p:nvSpPr>
+          <p:cNvPr id="4" name="Rectangle 3">
+            <a:extLst>
+              <a:ext uri="{FF2B5EF4-FFF2-40B4-BE49-F238E27FC236}">
+                <a16:creationId xmlns:a16="http://schemas.microsoft.com/office/drawing/2014/main" id="{04A06977-CE83-288A-A9D8-A96E047189A9}"/>
+              </a:ext>
+            </a:extLst>
+          </p:cNvPr>
+          <p:cNvSpPr/>
+          <p:nvPr/>
+        </p:nvSpPr>
+        <p:spPr>
+          <a:xfrm>
+            <a:off x="8728249" y="2707047"/>
             <a:ext cx="3042742" cy="1036285"/>
           </a:xfrm>
           <a:prstGeom prst="rect">
@@ -11347,10 +13077,10 @@
       </p:sp>
       <p:sp>
         <p:nvSpPr>
-          <p:cNvPr id="30" name="Rectangle 29">
+          <p:cNvPr id="5" name="Rectangle 4">
             <a:extLst>
               <a:ext uri="{FF2B5EF4-FFF2-40B4-BE49-F238E27FC236}">
-                <a16:creationId xmlns:a16="http://schemas.microsoft.com/office/drawing/2014/main" id="{BB741A0A-8112-94C3-1CAF-BEE4AB46B054}"/>
+                <a16:creationId xmlns:a16="http://schemas.microsoft.com/office/drawing/2014/main" id="{B8263EEC-0C9F-9D98-6B5B-39BAD96CF5EB}"/>
               </a:ext>
             </a:extLst>
           </p:cNvPr>
@@ -11359,7 +13089,7 @@
         </p:nvSpPr>
         <p:spPr>
           <a:xfrm>
-            <a:off x="2249560" y="4174975"/>
+            <a:off x="8728249" y="1319700"/>
             <a:ext cx="3042742" cy="747813"/>
           </a:xfrm>
           <a:prstGeom prst="rect">
@@ -11403,10 +13133,10 @@
       </p:sp>
       <p:sp>
         <p:nvSpPr>
-          <p:cNvPr id="31" name="Rectangle 30">
+          <p:cNvPr id="6" name="Rectangle 5">
             <a:extLst>
               <a:ext uri="{FF2B5EF4-FFF2-40B4-BE49-F238E27FC236}">
-                <a16:creationId xmlns:a16="http://schemas.microsoft.com/office/drawing/2014/main" id="{2AA051CE-99A8-7C8A-9D7E-93A16BC8DFAC}"/>
+                <a16:creationId xmlns:a16="http://schemas.microsoft.com/office/drawing/2014/main" id="{C4F386D4-7B33-C7E5-1E22-068C1018F32D}"/>
               </a:ext>
             </a:extLst>
           </p:cNvPr>
@@ -11415,7 +13145,7 @@
         </p:nvSpPr>
         <p:spPr>
           <a:xfrm>
-            <a:off x="2249560" y="3598710"/>
+            <a:off x="8728249" y="743435"/>
             <a:ext cx="3042742" cy="546253"/>
           </a:xfrm>
           <a:prstGeom prst="rect">
@@ -11459,10 +13189,10 @@
       </p:sp>
       <p:sp>
         <p:nvSpPr>
-          <p:cNvPr id="32" name="Rectangle 31">
+          <p:cNvPr id="7" name="Rectangle 6">
             <a:extLst>
               <a:ext uri="{FF2B5EF4-FFF2-40B4-BE49-F238E27FC236}">
-                <a16:creationId xmlns:a16="http://schemas.microsoft.com/office/drawing/2014/main" id="{7CC9A494-0FA5-8E3C-1AC2-2ED9E39E4330}"/>
+                <a16:creationId xmlns:a16="http://schemas.microsoft.com/office/drawing/2014/main" id="{BBA0835C-2521-644F-AF61-DEA9FD9E335B}"/>
               </a:ext>
             </a:extLst>
           </p:cNvPr>
@@ -11471,7 +13201,7 @@
         </p:nvSpPr>
         <p:spPr>
           <a:xfrm>
-            <a:off x="2249560" y="4952800"/>
+            <a:off x="8728249" y="2097525"/>
             <a:ext cx="3042742" cy="563887"/>
           </a:xfrm>
           <a:prstGeom prst="rect">
@@ -11522,10 +13252,10 @@
       </p:sp>
       <p:sp>
         <p:nvSpPr>
-          <p:cNvPr id="33" name="TextBox 32">
+          <p:cNvPr id="8" name="TextBox 7">
             <a:extLst>
               <a:ext uri="{FF2B5EF4-FFF2-40B4-BE49-F238E27FC236}">
-                <a16:creationId xmlns:a16="http://schemas.microsoft.com/office/drawing/2014/main" id="{963E7442-FB98-C5BB-388B-0200B7BA8526}"/>
+                <a16:creationId xmlns:a16="http://schemas.microsoft.com/office/drawing/2014/main" id="{14F146CC-52AC-255C-4BAC-D0AFB3A6742B}"/>
               </a:ext>
             </a:extLst>
           </p:cNvPr>
@@ -11534,7 +13264,7 @@
         </p:nvSpPr>
         <p:spPr>
           <a:xfrm>
-            <a:off x="2249560" y="3567008"/>
+            <a:off x="8728249" y="711733"/>
             <a:ext cx="3226672" cy="3031599"/>
           </a:xfrm>
           <a:prstGeom prst="rect">
@@ -11608,186 +13338,12 @@
           </a:p>
         </p:txBody>
       </p:sp>
-      <p:pic>
-        <p:nvPicPr>
-          <p:cNvPr id="34" name="Graphic 33" descr="Badge 1 with solid fill">
-            <a:extLst>
-              <a:ext uri="{FF2B5EF4-FFF2-40B4-BE49-F238E27FC236}">
-                <a16:creationId xmlns:a16="http://schemas.microsoft.com/office/drawing/2014/main" id="{700B2B5C-6668-1329-7D82-F4E232043877}"/>
-              </a:ext>
-            </a:extLst>
-          </p:cNvPr>
-          <p:cNvPicPr>
-            <a:picLocks noChangeAspect="1"/>
-          </p:cNvPicPr>
-          <p:nvPr/>
-        </p:nvPicPr>
-        <p:blipFill>
-          <a:blip r:embed="rId4">
-            <a:extLst>
-              <a:ext uri="{96DAC541-7B7A-43D3-8B79-37D633B846F1}">
-                <asvg:svgBlip xmlns:asvg="http://schemas.microsoft.com/office/drawing/2016/SVG/main" r:embed="rId5"/>
-              </a:ext>
-            </a:extLst>
-          </a:blip>
-          <a:stretch>
-            <a:fillRect/>
-          </a:stretch>
-        </p:blipFill>
-        <p:spPr>
-          <a:xfrm>
-            <a:off x="2249560" y="3567008"/>
-            <a:ext cx="320040" cy="320040"/>
-          </a:xfrm>
-          <a:prstGeom prst="rect">
-            <a:avLst/>
-          </a:prstGeom>
-        </p:spPr>
-      </p:pic>
-      <p:pic>
-        <p:nvPicPr>
-          <p:cNvPr id="35" name="Graphic 34" descr="Badge with solid fill">
-            <a:extLst>
-              <a:ext uri="{FF2B5EF4-FFF2-40B4-BE49-F238E27FC236}">
-                <a16:creationId xmlns:a16="http://schemas.microsoft.com/office/drawing/2014/main" id="{B2C0A68F-F222-F20C-7A30-BDE48AA830B8}"/>
-              </a:ext>
-            </a:extLst>
-          </p:cNvPr>
-          <p:cNvPicPr>
-            <a:picLocks noChangeAspect="1"/>
-          </p:cNvPicPr>
-          <p:nvPr/>
-        </p:nvPicPr>
-        <p:blipFill>
-          <a:blip r:embed="rId6">
-            <a:extLst>
-              <a:ext uri="{96DAC541-7B7A-43D3-8B79-37D633B846F1}">
-                <asvg:svgBlip xmlns:asvg="http://schemas.microsoft.com/office/drawing/2016/SVG/main" r:embed="rId7"/>
-              </a:ext>
-            </a:extLst>
-          </a:blip>
-          <a:stretch>
-            <a:fillRect/>
-          </a:stretch>
-        </p:blipFill>
-        <p:spPr>
-          <a:xfrm>
-            <a:off x="2249560" y="4191877"/>
-            <a:ext cx="320040" cy="320040"/>
-          </a:xfrm>
-          <a:prstGeom prst="rect">
-            <a:avLst/>
-          </a:prstGeom>
-        </p:spPr>
-      </p:pic>
-      <p:pic>
-        <p:nvPicPr>
-          <p:cNvPr id="36" name="Graphic 35" descr="Badge 3 with solid fill">
-            <a:extLst>
-              <a:ext uri="{FF2B5EF4-FFF2-40B4-BE49-F238E27FC236}">
-                <a16:creationId xmlns:a16="http://schemas.microsoft.com/office/drawing/2014/main" id="{39A236E1-9D0F-82A2-1FBD-609460CCCBD3}"/>
-              </a:ext>
-            </a:extLst>
-          </p:cNvPr>
-          <p:cNvPicPr>
-            <a:picLocks noChangeAspect="1"/>
-          </p:cNvPicPr>
-          <p:nvPr/>
-        </p:nvPicPr>
-        <p:blipFill>
-          <a:blip r:embed="rId2">
-            <a:extLst>
-              <a:ext uri="{96DAC541-7B7A-43D3-8B79-37D633B846F1}">
-                <asvg:svgBlip xmlns:asvg="http://schemas.microsoft.com/office/drawing/2016/SVG/main" r:embed="rId3"/>
-              </a:ext>
-            </a:extLst>
-          </a:blip>
-          <a:stretch>
-            <a:fillRect/>
-          </a:stretch>
-        </p:blipFill>
-        <p:spPr>
-          <a:xfrm>
-            <a:off x="2273208" y="4930539"/>
-            <a:ext cx="320040" cy="320040"/>
-          </a:xfrm>
-          <a:prstGeom prst="rect">
-            <a:avLst/>
-          </a:prstGeom>
-        </p:spPr>
-      </p:pic>
-      <p:pic>
-        <p:nvPicPr>
-          <p:cNvPr id="37" name="Graphic 36" descr="Badge 4 with solid fill">
-            <a:extLst>
-              <a:ext uri="{FF2B5EF4-FFF2-40B4-BE49-F238E27FC236}">
-                <a16:creationId xmlns:a16="http://schemas.microsoft.com/office/drawing/2014/main" id="{AC9A0978-8E4E-FBE9-ACB1-857FE6149204}"/>
-              </a:ext>
-            </a:extLst>
-          </p:cNvPr>
-          <p:cNvPicPr>
-            <a:picLocks noChangeAspect="1"/>
-          </p:cNvPicPr>
-          <p:nvPr/>
-        </p:nvPicPr>
-        <p:blipFill>
-          <a:blip r:embed="rId8">
-            <a:extLst>
-              <a:ext uri="{96DAC541-7B7A-43D3-8B79-37D633B846F1}">
-                <asvg:svgBlip xmlns:asvg="http://schemas.microsoft.com/office/drawing/2016/SVG/main" r:embed="rId9"/>
-              </a:ext>
-            </a:extLst>
-          </a:blip>
-          <a:stretch>
-            <a:fillRect/>
-          </a:stretch>
-        </p:blipFill>
-        <p:spPr>
-          <a:xfrm>
-            <a:off x="2273209" y="5529771"/>
-            <a:ext cx="320040" cy="320040"/>
-          </a:xfrm>
-          <a:prstGeom prst="rect">
-            <a:avLst/>
-          </a:prstGeom>
-        </p:spPr>
-      </p:pic>
-    </p:spTree>
-    <p:extLst>
-      <p:ext uri="{BB962C8B-B14F-4D97-AF65-F5344CB8AC3E}">
-        <p14:creationId xmlns:p14="http://schemas.microsoft.com/office/powerpoint/2010/main" val="4145552429"/>
-      </p:ext>
-    </p:extLst>
-  </p:cSld>
-  <p:clrMapOvr>
-    <a:masterClrMapping/>
-  </p:clrMapOvr>
-</p:sld>
-</file>
-
-<file path=ppt/slides/slide5.xml><?xml version="1.0" encoding="utf-8"?>
-<p:sld xmlns:a="http://schemas.openxmlformats.org/drawingml/2006/main" xmlns:r="http://schemas.openxmlformats.org/officeDocument/2006/relationships" xmlns:p="http://schemas.openxmlformats.org/presentationml/2006/main">
-  <p:cSld>
-    <p:spTree>
-      <p:nvGrpSpPr>
-        <p:cNvPr id="1" name=""/>
-        <p:cNvGrpSpPr/>
-        <p:nvPr/>
-      </p:nvGrpSpPr>
-      <p:grpSpPr>
-        <a:xfrm>
-          <a:off x="0" y="0"/>
-          <a:ext cx="0" cy="0"/>
-          <a:chOff x="0" y="0"/>
-          <a:chExt cx="0" cy="0"/>
-        </a:xfrm>
-      </p:grpSpPr>
       <p:sp>
         <p:nvSpPr>
-          <p:cNvPr id="4" name="Rectangle 3">
+          <p:cNvPr id="9" name="Rectangle 8">
             <a:extLst>
               <a:ext uri="{FF2B5EF4-FFF2-40B4-BE49-F238E27FC236}">
-                <a16:creationId xmlns:a16="http://schemas.microsoft.com/office/drawing/2014/main" id="{04A06977-CE83-288A-A9D8-A96E047189A9}"/>
+                <a16:creationId xmlns:a16="http://schemas.microsoft.com/office/drawing/2014/main" id="{D1D0653D-6B99-32A6-2B63-3F65E0BE439F}"/>
               </a:ext>
             </a:extLst>
           </p:cNvPr>
@@ -11796,326 +13352,7 @@
         </p:nvSpPr>
         <p:spPr>
           <a:xfrm>
-            <a:off x="5830502" y="5128274"/>
-            <a:ext cx="3042742" cy="1036285"/>
-          </a:xfrm>
-          <a:prstGeom prst="rect">
-            <a:avLst/>
-          </a:prstGeom>
-          <a:solidFill>
-            <a:schemeClr val="accent4">
-              <a:lumMod val="20000"/>
-              <a:lumOff val="80000"/>
-              <a:alpha val="50000"/>
-            </a:schemeClr>
-          </a:solidFill>
-          <a:ln>
-            <a:noFill/>
-          </a:ln>
-        </p:spPr>
-        <p:style>
-          <a:lnRef idx="2">
-            <a:schemeClr val="accent1">
-              <a:shade val="50000"/>
-            </a:schemeClr>
-          </a:lnRef>
-          <a:fillRef idx="1">
-            <a:schemeClr val="accent1"/>
-          </a:fillRef>
-          <a:effectRef idx="0">
-            <a:schemeClr val="accent1"/>
-          </a:effectRef>
-          <a:fontRef idx="minor">
-            <a:schemeClr val="lt1"/>
-          </a:fontRef>
-        </p:style>
-        <p:txBody>
-          <a:bodyPr rtlCol="0" anchor="ctr"/>
-          <a:lstStyle/>
-          <a:p>
-            <a:pPr algn="ctr"/>
-            <a:endParaRPr lang="en-US"/>
-          </a:p>
-        </p:txBody>
-      </p:sp>
-      <p:sp>
-        <p:nvSpPr>
-          <p:cNvPr id="5" name="Rectangle 4">
-            <a:extLst>
-              <a:ext uri="{FF2B5EF4-FFF2-40B4-BE49-F238E27FC236}">
-                <a16:creationId xmlns:a16="http://schemas.microsoft.com/office/drawing/2014/main" id="{B8263EEC-0C9F-9D98-6B5B-39BAD96CF5EB}"/>
-              </a:ext>
-            </a:extLst>
-          </p:cNvPr>
-          <p:cNvSpPr/>
-          <p:nvPr/>
-        </p:nvSpPr>
-        <p:spPr>
-          <a:xfrm>
-            <a:off x="5830502" y="3740927"/>
-            <a:ext cx="3042742" cy="747813"/>
-          </a:xfrm>
-          <a:prstGeom prst="rect">
-            <a:avLst/>
-          </a:prstGeom>
-          <a:solidFill>
-            <a:schemeClr val="accent2">
-              <a:lumMod val="20000"/>
-              <a:lumOff val="80000"/>
-              <a:alpha val="50000"/>
-            </a:schemeClr>
-          </a:solidFill>
-          <a:ln>
-            <a:noFill/>
-          </a:ln>
-        </p:spPr>
-        <p:style>
-          <a:lnRef idx="2">
-            <a:schemeClr val="accent1">
-              <a:shade val="50000"/>
-            </a:schemeClr>
-          </a:lnRef>
-          <a:fillRef idx="1">
-            <a:schemeClr val="accent1"/>
-          </a:fillRef>
-          <a:effectRef idx="0">
-            <a:schemeClr val="accent1"/>
-          </a:effectRef>
-          <a:fontRef idx="minor">
-            <a:schemeClr val="lt1"/>
-          </a:fontRef>
-        </p:style>
-        <p:txBody>
-          <a:bodyPr rtlCol="0" anchor="ctr"/>
-          <a:lstStyle/>
-          <a:p>
-            <a:pPr algn="ctr"/>
-            <a:endParaRPr lang="en-US"/>
-          </a:p>
-        </p:txBody>
-      </p:sp>
-      <p:sp>
-        <p:nvSpPr>
-          <p:cNvPr id="6" name="Rectangle 5">
-            <a:extLst>
-              <a:ext uri="{FF2B5EF4-FFF2-40B4-BE49-F238E27FC236}">
-                <a16:creationId xmlns:a16="http://schemas.microsoft.com/office/drawing/2014/main" id="{C4F386D4-7B33-C7E5-1E22-068C1018F32D}"/>
-              </a:ext>
-            </a:extLst>
-          </p:cNvPr>
-          <p:cNvSpPr/>
-          <p:nvPr/>
-        </p:nvSpPr>
-        <p:spPr>
-          <a:xfrm>
-            <a:off x="5830502" y="3164662"/>
-            <a:ext cx="3042742" cy="546253"/>
-          </a:xfrm>
-          <a:prstGeom prst="rect">
-            <a:avLst/>
-          </a:prstGeom>
-          <a:solidFill>
-            <a:schemeClr val="accent6">
-              <a:lumMod val="20000"/>
-              <a:lumOff val="80000"/>
-              <a:alpha val="50000"/>
-            </a:schemeClr>
-          </a:solidFill>
-          <a:ln>
-            <a:noFill/>
-          </a:ln>
-        </p:spPr>
-        <p:style>
-          <a:lnRef idx="2">
-            <a:schemeClr val="accent1">
-              <a:shade val="50000"/>
-            </a:schemeClr>
-          </a:lnRef>
-          <a:fillRef idx="1">
-            <a:schemeClr val="accent1"/>
-          </a:fillRef>
-          <a:effectRef idx="0">
-            <a:schemeClr val="accent1"/>
-          </a:effectRef>
-          <a:fontRef idx="minor">
-            <a:schemeClr val="lt1"/>
-          </a:fontRef>
-        </p:style>
-        <p:txBody>
-          <a:bodyPr rtlCol="0" anchor="ctr"/>
-          <a:lstStyle/>
-          <a:p>
-            <a:pPr algn="ctr"/>
-            <a:endParaRPr lang="en-US"/>
-          </a:p>
-        </p:txBody>
-      </p:sp>
-      <p:sp>
-        <p:nvSpPr>
-          <p:cNvPr id="7" name="Rectangle 6">
-            <a:extLst>
-              <a:ext uri="{FF2B5EF4-FFF2-40B4-BE49-F238E27FC236}">
-                <a16:creationId xmlns:a16="http://schemas.microsoft.com/office/drawing/2014/main" id="{BBA0835C-2521-644F-AF61-DEA9FD9E335B}"/>
-              </a:ext>
-            </a:extLst>
-          </p:cNvPr>
-          <p:cNvSpPr/>
-          <p:nvPr/>
-        </p:nvSpPr>
-        <p:spPr>
-          <a:xfrm>
-            <a:off x="5830502" y="4518752"/>
-            <a:ext cx="3042742" cy="563887"/>
-          </a:xfrm>
-          <a:prstGeom prst="rect">
-            <a:avLst/>
-          </a:prstGeom>
-          <a:solidFill>
-            <a:schemeClr val="accent3">
-              <a:lumMod val="20000"/>
-              <a:lumOff val="80000"/>
-              <a:alpha val="50000"/>
-            </a:schemeClr>
-          </a:solidFill>
-          <a:ln>
-            <a:noFill/>
-          </a:ln>
-        </p:spPr>
-        <p:style>
-          <a:lnRef idx="2">
-            <a:schemeClr val="accent1">
-              <a:shade val="50000"/>
-            </a:schemeClr>
-          </a:lnRef>
-          <a:fillRef idx="1">
-            <a:schemeClr val="accent1"/>
-          </a:fillRef>
-          <a:effectRef idx="0">
-            <a:schemeClr val="accent1"/>
-          </a:effectRef>
-          <a:fontRef idx="minor">
-            <a:schemeClr val="lt1"/>
-          </a:fontRef>
-        </p:style>
-        <p:txBody>
-          <a:bodyPr rtlCol="0" anchor="ctr"/>
-          <a:lstStyle/>
-          <a:p>
-            <a:pPr algn="ctr"/>
-            <a:endParaRPr lang="en-US">
-              <a:solidFill>
-                <a:schemeClr val="accent5">
-                  <a:lumMod val="20000"/>
-                  <a:lumOff val="80000"/>
-                </a:schemeClr>
-              </a:solidFill>
-            </a:endParaRPr>
-          </a:p>
-        </p:txBody>
-      </p:sp>
-      <p:sp>
-        <p:nvSpPr>
-          <p:cNvPr id="8" name="TextBox 7">
-            <a:extLst>
-              <a:ext uri="{FF2B5EF4-FFF2-40B4-BE49-F238E27FC236}">
-                <a16:creationId xmlns:a16="http://schemas.microsoft.com/office/drawing/2014/main" id="{14F146CC-52AC-255C-4BAC-D0AFB3A6742B}"/>
-              </a:ext>
-            </a:extLst>
-          </p:cNvPr>
-          <p:cNvSpPr txBox="1"/>
-          <p:nvPr/>
-        </p:nvSpPr>
-        <p:spPr>
-          <a:xfrm>
-            <a:off x="5830502" y="3132960"/>
-            <a:ext cx="3226672" cy="3031599"/>
-          </a:xfrm>
-          <a:prstGeom prst="rect">
-            <a:avLst/>
-          </a:prstGeom>
-          <a:noFill/>
-        </p:spPr>
-        <p:txBody>
-          <a:bodyPr wrap="square" rtlCol="0">
-            <a:spAutoFit/>
-          </a:bodyPr>
-          <a:lstStyle/>
-          <a:p>
-            <a:r>
-              <a:rPr lang="en-US" sz="1600" dirty="0">
-                <a:latin typeface="Times" pitchFamily="2" charset="0"/>
-              </a:rPr>
-              <a:t>      It extracts the SET command from the XDP payload.</a:t>
-            </a:r>
-            <a:br>
-              <a:rPr lang="en-US" sz="1600" dirty="0">
-                <a:latin typeface="Times" pitchFamily="2" charset="0"/>
-              </a:rPr>
-            </a:br>
-            <a:r>
-              <a:rPr lang="en-US" sz="500" dirty="0">
-                <a:latin typeface="Times" pitchFamily="2" charset="0"/>
-              </a:rPr>
-              <a:t> </a:t>
-            </a:r>
-          </a:p>
-          <a:p>
-            <a:r>
-              <a:rPr lang="en-US" sz="1600" dirty="0">
-                <a:latin typeface="Times" pitchFamily="2" charset="0"/>
-              </a:rPr>
-              <a:t>      SET command founded, try to figure the index of the Memcached key in payload.</a:t>
-            </a:r>
-          </a:p>
-          <a:p>
-            <a:r>
-              <a:rPr lang="en-US" sz="500" dirty="0">
-                <a:latin typeface="Times" pitchFamily="2" charset="0"/>
-              </a:rPr>
-              <a:t> </a:t>
-            </a:r>
-            <a:br>
-              <a:rPr lang="en-US" sz="1600" dirty="0">
-                <a:latin typeface="Times" pitchFamily="2" charset="0"/>
-              </a:rPr>
-            </a:br>
-            <a:r>
-              <a:rPr lang="en-US" sz="1600" dirty="0">
-                <a:latin typeface="Times" pitchFamily="2" charset="0"/>
-              </a:rPr>
-              <a:t>      If the key is found, process the key with hash function.</a:t>
-            </a:r>
-          </a:p>
-          <a:p>
-            <a:endParaRPr lang="en-US" sz="500" dirty="0">
-              <a:latin typeface="Times" pitchFamily="2" charset="0"/>
-            </a:endParaRPr>
-          </a:p>
-          <a:p>
-            <a:r>
-              <a:rPr lang="en-US" sz="1600" dirty="0">
-                <a:latin typeface="Times" pitchFamily="2" charset="0"/>
-              </a:rPr>
-              <a:t>      If the hash matches the calculated hash, invalidate the corresponding cache entry in the map</a:t>
-            </a:r>
-          </a:p>
-        </p:txBody>
-      </p:sp>
-      <p:sp>
-        <p:nvSpPr>
-          <p:cNvPr id="9" name="Rectangle 8">
-            <a:extLst>
-              <a:ext uri="{FF2B5EF4-FFF2-40B4-BE49-F238E27FC236}">
-                <a16:creationId xmlns:a16="http://schemas.microsoft.com/office/drawing/2014/main" id="{D1D0653D-6B99-32A6-2B63-3F65E0BE439F}"/>
-              </a:ext>
-            </a:extLst>
-          </p:cNvPr>
-          <p:cNvSpPr/>
-          <p:nvPr/>
-        </p:nvSpPr>
-        <p:spPr>
-          <a:xfrm>
-            <a:off x="2252841" y="1370031"/>
+            <a:off x="2986455" y="651652"/>
             <a:ext cx="3019092" cy="440201"/>
           </a:xfrm>
           <a:prstGeom prst="rect">
@@ -12187,7 +13424,7 @@
         </p:blipFill>
         <p:spPr>
           <a:xfrm>
-            <a:off x="5830502" y="3132960"/>
+            <a:off x="8728249" y="711733"/>
             <a:ext cx="320040" cy="320040"/>
           </a:xfrm>
           <a:prstGeom prst="rect">
@@ -12223,7 +13460,7 @@
         </p:blipFill>
         <p:spPr>
           <a:xfrm>
-            <a:off x="5830502" y="3757829"/>
+            <a:off x="8728249" y="1336602"/>
             <a:ext cx="320040" cy="320040"/>
           </a:xfrm>
           <a:prstGeom prst="rect">
@@ -12259,7 +13496,7 @@
         </p:blipFill>
         <p:spPr>
           <a:xfrm>
-            <a:off x="5854150" y="4496491"/>
+            <a:off x="8751897" y="2075264"/>
             <a:ext cx="320040" cy="320040"/>
           </a:xfrm>
           <a:prstGeom prst="rect">
@@ -12295,7 +13532,7 @@
         </p:blipFill>
         <p:spPr>
           <a:xfrm>
-            <a:off x="5854151" y="5095723"/>
+            <a:off x="8751898" y="2674496"/>
             <a:ext cx="320040" cy="320040"/>
           </a:xfrm>
           <a:prstGeom prst="rect">
@@ -12303,6 +13540,447 @@
           </a:prstGeom>
         </p:spPr>
       </p:pic>
+      <p:sp>
+        <p:nvSpPr>
+          <p:cNvPr id="2" name="Rectangle 1">
+            <a:extLst>
+              <a:ext uri="{FF2B5EF4-FFF2-40B4-BE49-F238E27FC236}">
+                <a16:creationId xmlns:a16="http://schemas.microsoft.com/office/drawing/2014/main" id="{70322181-6772-F073-3FC4-786484755127}"/>
+              </a:ext>
+            </a:extLst>
+          </p:cNvPr>
+          <p:cNvSpPr/>
+          <p:nvPr/>
+        </p:nvSpPr>
+        <p:spPr>
+          <a:xfrm>
+            <a:off x="63502" y="2067513"/>
+            <a:ext cx="7406244" cy="4131700"/>
+          </a:xfrm>
+          <a:prstGeom prst="rect">
+            <a:avLst/>
+          </a:prstGeom>
+          <a:noFill/>
+          <a:ln w="19050"/>
+        </p:spPr>
+        <p:style>
+          <a:lnRef idx="2">
+            <a:schemeClr val="accent1">
+              <a:shade val="50000"/>
+            </a:schemeClr>
+          </a:lnRef>
+          <a:fillRef idx="1">
+            <a:schemeClr val="accent1"/>
+          </a:fillRef>
+          <a:effectRef idx="0">
+            <a:schemeClr val="accent1"/>
+          </a:effectRef>
+          <a:fontRef idx="minor">
+            <a:schemeClr val="lt1"/>
+          </a:fontRef>
+        </p:style>
+        <p:txBody>
+          <a:bodyPr tIns="0" bIns="0" rtlCol="0" anchor="ctr"/>
+          <a:lstStyle/>
+          <a:p>
+            <a:r>
+              <a:rPr lang="en-US" sz="1600" dirty="0">
+                <a:solidFill>
+                  <a:schemeClr val="tx1"/>
+                </a:solidFill>
+                <a:latin typeface="Times" pitchFamily="2" charset="0"/>
+              </a:rPr>
+              <a:t>• The checks required previously by the verifier, including these for offset and </a:t>
+            </a:r>
+            <a:r>
+              <a:rPr lang="en-US" sz="1600" dirty="0" err="1">
+                <a:solidFill>
+                  <a:schemeClr val="tx1"/>
+                </a:solidFill>
+                <a:latin typeface="Times" pitchFamily="2" charset="0"/>
+              </a:rPr>
+              <a:t>data_end</a:t>
+            </a:r>
+            <a:r>
+              <a:rPr lang="en-US" sz="1600" dirty="0">
+                <a:solidFill>
+                  <a:schemeClr val="tx1"/>
+                </a:solidFill>
+                <a:latin typeface="Times" pitchFamily="2" charset="0"/>
+              </a:rPr>
+              <a:t>            </a:t>
+            </a:r>
+          </a:p>
+          <a:p>
+            <a:r>
+              <a:rPr lang="en-US" sz="1600" dirty="0">
+                <a:solidFill>
+                  <a:schemeClr val="tx1"/>
+                </a:solidFill>
+                <a:latin typeface="Times" pitchFamily="2" charset="0"/>
+              </a:rPr>
+              <a:t>   limits (</a:t>
+            </a:r>
+            <a:r>
+              <a:rPr lang="en-US" sz="1600" b="1" dirty="0">
+                <a:solidFill>
+                  <a:schemeClr val="accent5">
+                    <a:lumMod val="50000"/>
+                  </a:schemeClr>
+                </a:solidFill>
+                <a:latin typeface="Times" pitchFamily="2" charset="0"/>
+              </a:rPr>
+              <a:t>L6   </a:t>
+            </a:r>
+            <a:r>
+              <a:rPr lang="en-US" sz="1600" dirty="0">
+                <a:solidFill>
+                  <a:schemeClr val="tx1"/>
+                </a:solidFill>
+                <a:latin typeface="Times" pitchFamily="2" charset="0"/>
+              </a:rPr>
+              <a:t>), are now being enforced via the inherent language features of Rust, such          </a:t>
+            </a:r>
+            <a:r>
+              <a:rPr lang="zh-CN" altLang="en-US" sz="1600" dirty="0">
+                <a:solidFill>
+                  <a:schemeClr val="tx1"/>
+                </a:solidFill>
+                <a:latin typeface="Times" pitchFamily="2" charset="0"/>
+              </a:rPr>
+              <a:t>     </a:t>
+            </a:r>
+            <a:r>
+              <a:rPr lang="en-US" altLang="zh-CN" sz="1600" dirty="0">
+                <a:solidFill>
+                  <a:schemeClr val="tx1"/>
+                </a:solidFill>
+                <a:latin typeface="Times" pitchFamily="2" charset="0"/>
+              </a:rPr>
+              <a:t> </a:t>
+            </a:r>
+            <a:endParaRPr lang="en-US" sz="1600" dirty="0">
+              <a:solidFill>
+                <a:schemeClr val="tx1"/>
+              </a:solidFill>
+              <a:latin typeface="Times" pitchFamily="2" charset="0"/>
+            </a:endParaRPr>
+          </a:p>
+          <a:p>
+            <a:r>
+              <a:rPr lang="en-US" sz="1600" dirty="0">
+                <a:solidFill>
+                  <a:schemeClr val="tx1"/>
+                </a:solidFill>
+                <a:latin typeface="Times" pitchFamily="2" charset="0"/>
+              </a:rPr>
+              <a:t>   as the slice that implements bound checks (</a:t>
+            </a:r>
+            <a:r>
+              <a:rPr lang="en-US" sz="1600" b="1" dirty="0">
+                <a:solidFill>
+                  <a:schemeClr val="accent6">
+                    <a:lumMod val="50000"/>
+                  </a:schemeClr>
+                </a:solidFill>
+                <a:latin typeface="Times" pitchFamily="2" charset="0"/>
+              </a:rPr>
+              <a:t>L2   </a:t>
+            </a:r>
+            <a:r>
+              <a:rPr lang="en-US" sz="1600" dirty="0">
+                <a:solidFill>
+                  <a:schemeClr val="tx1"/>
+                </a:solidFill>
+                <a:latin typeface="Times" pitchFamily="2" charset="0"/>
+              </a:rPr>
+              <a:t>) and (</a:t>
+            </a:r>
+            <a:r>
+              <a:rPr lang="en-US" sz="1600" b="1" dirty="0">
+                <a:solidFill>
+                  <a:schemeClr val="accent6">
+                    <a:lumMod val="50000"/>
+                  </a:schemeClr>
+                </a:solidFill>
+                <a:latin typeface="Times" pitchFamily="2" charset="0"/>
+              </a:rPr>
+              <a:t>L10   </a:t>
+            </a:r>
+            <a:r>
+              <a:rPr lang="en-US" sz="1600" dirty="0">
+                <a:solidFill>
+                  <a:schemeClr val="tx1"/>
+                </a:solidFill>
+                <a:latin typeface="Times" pitchFamily="2" charset="0"/>
+              </a:rPr>
+              <a:t>). </a:t>
+            </a:r>
+          </a:p>
+          <a:p>
+            <a:pPr marL="285750" indent="-285750">
+              <a:buFont typeface="Arial" panose="020B0604020202020204" pitchFamily="34" charset="0"/>
+              <a:buChar char="•"/>
+            </a:pPr>
+            <a:r>
+              <a:rPr lang="en-US" sz="1600" dirty="0">
+                <a:solidFill>
+                  <a:schemeClr val="tx1"/>
+                </a:solidFill>
+                <a:latin typeface="Times" pitchFamily="2" charset="0"/>
+              </a:rPr>
+              <a:t>The four levels of nesting (</a:t>
+            </a:r>
+            <a:r>
+              <a:rPr lang="en-US" sz="1600" b="1" dirty="0">
+                <a:solidFill>
+                  <a:schemeClr val="accent5">
+                    <a:lumMod val="50000"/>
+                  </a:schemeClr>
+                </a:solidFill>
+                <a:latin typeface="Times" pitchFamily="2" charset="0"/>
+              </a:rPr>
+              <a:t>L5,11,20   </a:t>
+            </a:r>
+            <a:r>
+              <a:rPr lang="en-US" sz="1600" dirty="0">
+                <a:solidFill>
+                  <a:schemeClr val="tx1"/>
+                </a:solidFill>
+                <a:latin typeface="Times" pitchFamily="2" charset="0"/>
+              </a:rPr>
+              <a:t>), is significantly reduced by converting a </a:t>
+            </a:r>
+            <a:r>
+              <a:rPr lang="en-US" sz="1400" dirty="0">
+                <a:solidFill>
+                  <a:srgbClr val="005DF6"/>
+                </a:solidFill>
+                <a:latin typeface="Consolas" panose="020B0609020204030204" pitchFamily="49" charset="0"/>
+                <a:ea typeface="Menlo" panose="020B0609030804020204" pitchFamily="49" charset="0"/>
+                <a:cs typeface="Consolas" panose="020B0609020204030204" pitchFamily="49" charset="0"/>
+              </a:rPr>
+              <a:t>for</a:t>
+            </a:r>
+            <a:r>
+              <a:rPr lang="en-US" sz="1600" dirty="0">
+                <a:solidFill>
+                  <a:schemeClr val="tx1"/>
+                </a:solidFill>
+                <a:latin typeface="Times" pitchFamily="2" charset="0"/>
+              </a:rPr>
+              <a:t>-loop (</a:t>
+            </a:r>
+            <a:r>
+              <a:rPr lang="en-US" sz="1600" b="1" dirty="0">
+                <a:solidFill>
+                  <a:schemeClr val="accent5">
+                    <a:lumMod val="50000"/>
+                  </a:schemeClr>
+                </a:solidFill>
+                <a:latin typeface="Times" pitchFamily="2" charset="0"/>
+              </a:rPr>
+              <a:t>L2   </a:t>
+            </a:r>
+            <a:r>
+              <a:rPr lang="en-US" sz="1600" dirty="0">
+                <a:solidFill>
+                  <a:schemeClr val="tx1"/>
+                </a:solidFill>
+                <a:latin typeface="Times" pitchFamily="2" charset="0"/>
+              </a:rPr>
+              <a:t>), with intricate conditions (</a:t>
+            </a:r>
+            <a:r>
+              <a:rPr lang="en-US" sz="1600" b="1" dirty="0">
+                <a:solidFill>
+                  <a:schemeClr val="accent5">
+                    <a:lumMod val="50000"/>
+                  </a:schemeClr>
+                </a:solidFill>
+                <a:latin typeface="Times" pitchFamily="2" charset="0"/>
+              </a:rPr>
+              <a:t>L4   </a:t>
+            </a:r>
+            <a:r>
+              <a:rPr lang="en-US" sz="1600" dirty="0">
+                <a:solidFill>
+                  <a:schemeClr val="tx1"/>
+                </a:solidFill>
+                <a:latin typeface="Times" pitchFamily="2" charset="0"/>
+              </a:rPr>
+              <a:t>) into a clean chain of higher-order functions with closures through the </a:t>
+            </a:r>
+            <a:r>
+              <a:rPr lang="en-US" sz="1600" dirty="0" err="1">
+                <a:solidFill>
+                  <a:schemeClr val="tx1"/>
+                </a:solidFill>
+                <a:latin typeface="Times" pitchFamily="2" charset="0"/>
+              </a:rPr>
+              <a:t>take_while</a:t>
+            </a:r>
+            <a:r>
+              <a:rPr lang="en-US" sz="1600" dirty="0">
+                <a:solidFill>
+                  <a:schemeClr val="tx1"/>
+                </a:solidFill>
+                <a:latin typeface="Times" pitchFamily="2" charset="0"/>
+              </a:rPr>
+              <a:t> (</a:t>
+            </a:r>
+            <a:r>
+              <a:rPr lang="en-US" sz="1600" b="1" dirty="0">
+                <a:solidFill>
+                  <a:schemeClr val="accent6">
+                    <a:lumMod val="50000"/>
+                  </a:schemeClr>
+                </a:solidFill>
+                <a:latin typeface="Times" pitchFamily="2" charset="0"/>
+              </a:rPr>
+              <a:t>L11   </a:t>
+            </a:r>
+            <a:r>
+              <a:rPr lang="en-US" sz="1600" dirty="0">
+                <a:solidFill>
+                  <a:schemeClr val="tx1"/>
+                </a:solidFill>
+                <a:latin typeface="Times" pitchFamily="2" charset="0"/>
+              </a:rPr>
+              <a:t>), which will filter the Memcached SET key (</a:t>
+            </a:r>
+            <a:r>
+              <a:rPr lang="en-US" sz="1600" b="1" dirty="0">
+                <a:solidFill>
+                  <a:schemeClr val="accent6">
+                    <a:lumMod val="50000"/>
+                  </a:schemeClr>
+                </a:solidFill>
+                <a:latin typeface="Times" pitchFamily="2" charset="0"/>
+              </a:rPr>
+              <a:t>L5   </a:t>
+            </a:r>
+            <a:r>
+              <a:rPr lang="en-US" sz="1600" dirty="0">
+                <a:solidFill>
+                  <a:schemeClr val="tx1"/>
+                </a:solidFill>
+                <a:latin typeface="Times" pitchFamily="2" charset="0"/>
+              </a:rPr>
+              <a:t>) from the payload with the iterator generated by </a:t>
+            </a:r>
+            <a:r>
+              <a:rPr lang="en-US" sz="1600" dirty="0" err="1">
+                <a:solidFill>
+                  <a:schemeClr val="tx1"/>
+                </a:solidFill>
+                <a:latin typeface="Times" pitchFamily="2" charset="0"/>
+              </a:rPr>
+              <a:t>filter_map</a:t>
+            </a:r>
+            <a:r>
+              <a:rPr lang="en-US" sz="1600" dirty="0">
+                <a:solidFill>
+                  <a:schemeClr val="tx1"/>
+                </a:solidFill>
+                <a:latin typeface="Times" pitchFamily="2" charset="0"/>
+              </a:rPr>
+              <a:t> (</a:t>
+            </a:r>
+            <a:r>
+              <a:rPr lang="en-US" sz="1600" b="1" dirty="0">
+                <a:solidFill>
+                  <a:schemeClr val="accent6">
+                    <a:lumMod val="50000"/>
+                  </a:schemeClr>
+                </a:solidFill>
+                <a:latin typeface="Times" pitchFamily="2" charset="0"/>
+              </a:rPr>
+              <a:t>L4   </a:t>
+            </a:r>
+            <a:r>
+              <a:rPr lang="en-US" sz="1600" dirty="0">
+                <a:solidFill>
+                  <a:schemeClr val="tx1"/>
+                </a:solidFill>
+                <a:latin typeface="Times" pitchFamily="2" charset="0"/>
+              </a:rPr>
+              <a:t>), thus dividing the code into three distinct sequential parts.</a:t>
+            </a:r>
+          </a:p>
+        </p:txBody>
+      </p:sp>
+      <p:sp>
+        <p:nvSpPr>
+          <p:cNvPr id="15" name="TextBox 14">
+            <a:extLst>
+              <a:ext uri="{FF2B5EF4-FFF2-40B4-BE49-F238E27FC236}">
+                <a16:creationId xmlns:a16="http://schemas.microsoft.com/office/drawing/2014/main" id="{D435AEA8-89D9-0EBD-16A2-B1C15DB405FF}"/>
+              </a:ext>
+            </a:extLst>
+          </p:cNvPr>
+          <p:cNvSpPr txBox="1"/>
+          <p:nvPr/>
+        </p:nvSpPr>
+        <p:spPr>
+          <a:xfrm>
+            <a:off x="1072896" y="871752"/>
+            <a:ext cx="6096000" cy="1754326"/>
+          </a:xfrm>
+          <a:prstGeom prst="rect">
+            <a:avLst/>
+          </a:prstGeom>
+          <a:noFill/>
+        </p:spPr>
+        <p:txBody>
+          <a:bodyPr wrap="square">
+            <a:spAutoFit/>
+          </a:bodyPr>
+          <a:lstStyle/>
+          <a:p>
+            <a:r>
+              <a:rPr lang="en-US" dirty="0"/>
+              <a:t>%     With the iterator from \</a:t>
+            </a:r>
+            <a:r>
+              <a:rPr lang="en-US" dirty="0" err="1"/>
+              <a:t>texttt</a:t>
+            </a:r>
+            <a:r>
+              <a:rPr lang="en-US" dirty="0"/>
+              <a:t>{filter\_map}, \</a:t>
+            </a:r>
+            <a:r>
+              <a:rPr lang="en-US" dirty="0" err="1"/>
+              <a:t>texttt</a:t>
+            </a:r>
+            <a:r>
+              <a:rPr lang="en-US" dirty="0"/>
+              <a:t>{take\_while} will</a:t>
+            </a:r>
+          </a:p>
+          <a:p>
+            <a:r>
+              <a:rPr lang="en-US" dirty="0"/>
+              <a:t>%     filter the </a:t>
+            </a:r>
+            <a:r>
+              <a:rPr lang="en-US" dirty="0" err="1"/>
+              <a:t>memcached</a:t>
+            </a:r>
+            <a:r>
+              <a:rPr lang="en-US" dirty="0"/>
+              <a:t> SET key from the payload, thus dividing the code into three distinct</a:t>
+            </a:r>
+          </a:p>
+          <a:p>
+            <a:r>
+              <a:rPr lang="en-US" dirty="0"/>
+              <a:t>%     sequential parts and markedly improving its expressiveness.</a:t>
+            </a:r>
+          </a:p>
+        </p:txBody>
+      </p:sp>
     </p:spTree>
     <p:extLst>
       <p:ext uri="{BB962C8B-B14F-4D97-AF65-F5344CB8AC3E}">
@@ -15064,4 +16742,319 @@
     </a:ext>
   </a:extLst>
 </a:theme>
+</file>
+
+<file path=ppt/theme/theme2.xml><?xml version="1.0" encoding="utf-8"?>
+<a:theme xmlns:a="http://schemas.openxmlformats.org/drawingml/2006/main" name="Office Theme">
+  <a:themeElements>
+    <a:clrScheme name="Office">
+      <a:dk1>
+        <a:sysClr val="windowText" lastClr="000000"/>
+      </a:dk1>
+      <a:lt1>
+        <a:sysClr val="window" lastClr="FFFFFF"/>
+      </a:lt1>
+      <a:dk2>
+        <a:srgbClr val="0E2841"/>
+      </a:dk2>
+      <a:lt2>
+        <a:srgbClr val="E8E8E8"/>
+      </a:lt2>
+      <a:accent1>
+        <a:srgbClr val="156082"/>
+      </a:accent1>
+      <a:accent2>
+        <a:srgbClr val="E97132"/>
+      </a:accent2>
+      <a:accent3>
+        <a:srgbClr val="196B24"/>
+      </a:accent3>
+      <a:accent4>
+        <a:srgbClr val="0F9ED5"/>
+      </a:accent4>
+      <a:accent5>
+        <a:srgbClr val="A02B93"/>
+      </a:accent5>
+      <a:accent6>
+        <a:srgbClr val="4EA72E"/>
+      </a:accent6>
+      <a:hlink>
+        <a:srgbClr val="467886"/>
+      </a:hlink>
+      <a:folHlink>
+        <a:srgbClr val="96607D"/>
+      </a:folHlink>
+    </a:clrScheme>
+    <a:fontScheme name="Office">
+      <a:majorFont>
+        <a:latin typeface="Aptos Display" panose="02110004020202020204"/>
+        <a:ea typeface=""/>
+        <a:cs typeface=""/>
+        <a:font script="Jpan" typeface="游ゴシック Light"/>
+        <a:font script="Hang" typeface="맑은 고딕"/>
+        <a:font script="Hans" typeface="等线 Light"/>
+        <a:font script="Hant" typeface="新細明體"/>
+        <a:font script="Arab" typeface="Times New Roman"/>
+        <a:font script="Hebr" typeface="Times New Roman"/>
+        <a:font script="Thai" typeface="Angsana New"/>
+        <a:font script="Ethi" typeface="Nyala"/>
+        <a:font script="Beng" typeface="Vrinda"/>
+        <a:font script="Gujr" typeface="Shruti"/>
+        <a:font script="Khmr" typeface="MoolBoran"/>
+        <a:font script="Knda" typeface="Tunga"/>
+        <a:font script="Guru" typeface="Raavi"/>
+        <a:font script="Cans" typeface="Euphemia"/>
+        <a:font script="Cher" typeface="Plantagenet Cherokee"/>
+        <a:font script="Yiii" typeface="Microsoft Yi Baiti"/>
+        <a:font script="Tibt" typeface="Microsoft Himalaya"/>
+        <a:font script="Thaa" typeface="MV Boli"/>
+        <a:font script="Deva" typeface="Mangal"/>
+        <a:font script="Telu" typeface="Gautami"/>
+        <a:font script="Taml" typeface="Latha"/>
+        <a:font script="Syrc" typeface="Estrangelo Edessa"/>
+        <a:font script="Orya" typeface="Kalinga"/>
+        <a:font script="Mlym" typeface="Kartika"/>
+        <a:font script="Laoo" typeface="DokChampa"/>
+        <a:font script="Sinh" typeface="Iskoola Pota"/>
+        <a:font script="Mong" typeface="Mongolian Baiti"/>
+        <a:font script="Viet" typeface="Times New Roman"/>
+        <a:font script="Uigh" typeface="Microsoft Uighur"/>
+        <a:font script="Geor" typeface="Sylfaen"/>
+        <a:font script="Armn" typeface="Arial"/>
+        <a:font script="Bugi" typeface="Leelawadee UI"/>
+        <a:font script="Bopo" typeface="Microsoft JhengHei"/>
+        <a:font script="Java" typeface="Javanese Text"/>
+        <a:font script="Lisu" typeface="Segoe UI"/>
+        <a:font script="Mymr" typeface="Myanmar Text"/>
+        <a:font script="Nkoo" typeface="Ebrima"/>
+        <a:font script="Olck" typeface="Nirmala UI"/>
+        <a:font script="Osma" typeface="Ebrima"/>
+        <a:font script="Phag" typeface="Phagspa"/>
+        <a:font script="Syrn" typeface="Estrangelo Edessa"/>
+        <a:font script="Syrj" typeface="Estrangelo Edessa"/>
+        <a:font script="Syre" typeface="Estrangelo Edessa"/>
+        <a:font script="Sora" typeface="Nirmala UI"/>
+        <a:font script="Tale" typeface="Microsoft Tai Le"/>
+        <a:font script="Talu" typeface="Microsoft New Tai Lue"/>
+        <a:font script="Tfng" typeface="Ebrima"/>
+      </a:majorFont>
+      <a:minorFont>
+        <a:latin typeface="Aptos" panose="02110004020202020204"/>
+        <a:ea typeface=""/>
+        <a:cs typeface=""/>
+        <a:font script="Jpan" typeface="游ゴシック"/>
+        <a:font script="Hang" typeface="맑은 고딕"/>
+        <a:font script="Hans" typeface="等线"/>
+        <a:font script="Hant" typeface="新細明體"/>
+        <a:font script="Arab" typeface="Arial"/>
+        <a:font script="Hebr" typeface="Arial"/>
+        <a:font script="Thai" typeface="Cordia New"/>
+        <a:font script="Ethi" typeface="Nyala"/>
+        <a:font script="Beng" typeface="Vrinda"/>
+        <a:font script="Gujr" typeface="Shruti"/>
+        <a:font script="Khmr" typeface="DaunPenh"/>
+        <a:font script="Knda" typeface="Tunga"/>
+        <a:font script="Guru" typeface="Raavi"/>
+        <a:font script="Cans" typeface="Euphemia"/>
+        <a:font script="Cher" typeface="Plantagenet Cherokee"/>
+        <a:font script="Yiii" typeface="Microsoft Yi Baiti"/>
+        <a:font script="Tibt" typeface="Microsoft Himalaya"/>
+        <a:font script="Thaa" typeface="MV Boli"/>
+        <a:font script="Deva" typeface="Mangal"/>
+        <a:font script="Telu" typeface="Gautami"/>
+        <a:font script="Taml" typeface="Latha"/>
+        <a:font script="Syrc" typeface="Estrangelo Edessa"/>
+        <a:font script="Orya" typeface="Kalinga"/>
+        <a:font script="Mlym" typeface="Kartika"/>
+        <a:font script="Laoo" typeface="DokChampa"/>
+        <a:font script="Sinh" typeface="Iskoola Pota"/>
+        <a:font script="Mong" typeface="Mongolian Baiti"/>
+        <a:font script="Viet" typeface="Arial"/>
+        <a:font script="Uigh" typeface="Microsoft Uighur"/>
+        <a:font script="Geor" typeface="Sylfaen"/>
+        <a:font script="Armn" typeface="Arial"/>
+        <a:font script="Bugi" typeface="Leelawadee UI"/>
+        <a:font script="Bopo" typeface="Microsoft JhengHei"/>
+        <a:font script="Java" typeface="Javanese Text"/>
+        <a:font script="Lisu" typeface="Segoe UI"/>
+        <a:font script="Mymr" typeface="Myanmar Text"/>
+        <a:font script="Nkoo" typeface="Ebrima"/>
+        <a:font script="Olck" typeface="Nirmala UI"/>
+        <a:font script="Osma" typeface="Ebrima"/>
+        <a:font script="Phag" typeface="Phagspa"/>
+        <a:font script="Syrn" typeface="Estrangelo Edessa"/>
+        <a:font script="Syrj" typeface="Estrangelo Edessa"/>
+        <a:font script="Syre" typeface="Estrangelo Edessa"/>
+        <a:font script="Sora" typeface="Nirmala UI"/>
+        <a:font script="Tale" typeface="Microsoft Tai Le"/>
+        <a:font script="Talu" typeface="Microsoft New Tai Lue"/>
+        <a:font script="Tfng" typeface="Ebrima"/>
+      </a:minorFont>
+    </a:fontScheme>
+    <a:fmtScheme name="Office">
+      <a:fillStyleLst>
+        <a:solidFill>
+          <a:schemeClr val="phClr"/>
+        </a:solidFill>
+        <a:gradFill rotWithShape="1">
+          <a:gsLst>
+            <a:gs pos="0">
+              <a:schemeClr val="phClr">
+                <a:lumMod val="110000"/>
+                <a:satMod val="105000"/>
+                <a:tint val="67000"/>
+              </a:schemeClr>
+            </a:gs>
+            <a:gs pos="50000">
+              <a:schemeClr val="phClr">
+                <a:lumMod val="105000"/>
+                <a:satMod val="103000"/>
+                <a:tint val="73000"/>
+              </a:schemeClr>
+            </a:gs>
+            <a:gs pos="100000">
+              <a:schemeClr val="phClr">
+                <a:lumMod val="105000"/>
+                <a:satMod val="109000"/>
+                <a:tint val="81000"/>
+              </a:schemeClr>
+            </a:gs>
+          </a:gsLst>
+          <a:lin ang="5400000" scaled="0"/>
+        </a:gradFill>
+        <a:gradFill rotWithShape="1">
+          <a:gsLst>
+            <a:gs pos="0">
+              <a:schemeClr val="phClr">
+                <a:satMod val="103000"/>
+                <a:lumMod val="102000"/>
+                <a:tint val="94000"/>
+              </a:schemeClr>
+            </a:gs>
+            <a:gs pos="50000">
+              <a:schemeClr val="phClr">
+                <a:satMod val="110000"/>
+                <a:lumMod val="100000"/>
+                <a:shade val="100000"/>
+              </a:schemeClr>
+            </a:gs>
+            <a:gs pos="100000">
+              <a:schemeClr val="phClr">
+                <a:lumMod val="99000"/>
+                <a:satMod val="120000"/>
+                <a:shade val="78000"/>
+              </a:schemeClr>
+            </a:gs>
+          </a:gsLst>
+          <a:lin ang="5400000" scaled="0"/>
+        </a:gradFill>
+      </a:fillStyleLst>
+      <a:lnStyleLst>
+        <a:ln w="12700" cap="flat" cmpd="sng" algn="ctr">
+          <a:solidFill>
+            <a:schemeClr val="phClr"/>
+          </a:solidFill>
+          <a:prstDash val="solid"/>
+          <a:miter lim="800000"/>
+        </a:ln>
+        <a:ln w="19050" cap="flat" cmpd="sng" algn="ctr">
+          <a:solidFill>
+            <a:schemeClr val="phClr"/>
+          </a:solidFill>
+          <a:prstDash val="solid"/>
+          <a:miter lim="800000"/>
+        </a:ln>
+        <a:ln w="25400" cap="flat" cmpd="sng" algn="ctr">
+          <a:solidFill>
+            <a:schemeClr val="phClr"/>
+          </a:solidFill>
+          <a:prstDash val="solid"/>
+          <a:miter lim="800000"/>
+        </a:ln>
+      </a:lnStyleLst>
+      <a:effectStyleLst>
+        <a:effectStyle>
+          <a:effectLst/>
+        </a:effectStyle>
+        <a:effectStyle>
+          <a:effectLst/>
+        </a:effectStyle>
+        <a:effectStyle>
+          <a:effectLst>
+            <a:outerShdw blurRad="57150" dist="19050" dir="5400000" algn="ctr" rotWithShape="0">
+              <a:srgbClr val="000000">
+                <a:alpha val="63000"/>
+              </a:srgbClr>
+            </a:outerShdw>
+          </a:effectLst>
+        </a:effectStyle>
+      </a:effectStyleLst>
+      <a:bgFillStyleLst>
+        <a:solidFill>
+          <a:schemeClr val="phClr"/>
+        </a:solidFill>
+        <a:solidFill>
+          <a:schemeClr val="phClr">
+            <a:tint val="95000"/>
+            <a:satMod val="170000"/>
+          </a:schemeClr>
+        </a:solidFill>
+        <a:gradFill rotWithShape="1">
+          <a:gsLst>
+            <a:gs pos="0">
+              <a:schemeClr val="phClr">
+                <a:tint val="93000"/>
+                <a:satMod val="150000"/>
+                <a:shade val="98000"/>
+                <a:lumMod val="102000"/>
+              </a:schemeClr>
+            </a:gs>
+            <a:gs pos="50000">
+              <a:schemeClr val="phClr">
+                <a:tint val="98000"/>
+                <a:satMod val="130000"/>
+                <a:shade val="90000"/>
+                <a:lumMod val="103000"/>
+              </a:schemeClr>
+            </a:gs>
+            <a:gs pos="100000">
+              <a:schemeClr val="phClr">
+                <a:shade val="63000"/>
+                <a:satMod val="120000"/>
+              </a:schemeClr>
+            </a:gs>
+          </a:gsLst>
+          <a:lin ang="5400000" scaled="0"/>
+        </a:gradFill>
+      </a:bgFillStyleLst>
+    </a:fmtScheme>
+  </a:themeElements>
+  <a:objectDefaults>
+    <a:lnDef>
+      <a:spPr/>
+      <a:bodyPr/>
+      <a:lstStyle/>
+      <a:style>
+        <a:lnRef idx="2">
+          <a:schemeClr val="accent1"/>
+        </a:lnRef>
+        <a:fillRef idx="0">
+          <a:schemeClr val="accent1"/>
+        </a:fillRef>
+        <a:effectRef idx="1">
+          <a:schemeClr val="accent1"/>
+        </a:effectRef>
+        <a:fontRef idx="minor">
+          <a:schemeClr val="tx1"/>
+        </a:fontRef>
+      </a:style>
+    </a:lnDef>
+  </a:objectDefaults>
+  <a:extraClrSchemeLst/>
+  <a:extLst>
+    <a:ext uri="{05A4C25C-085E-4340-85A3-A5531E510DB2}">
+      <thm15:themeFamily xmlns:thm15="http://schemas.microsoft.com/office/thememl/2012/main" name="Office Theme" id="{2E142A2C-CD16-42D6-873A-C26D2A0506FA}" vid="{1BDDFF52-6CD6-40A5-AB3C-68EB2F1E4D0A}"/>
+    </a:ext>
+  </a:extLst>
+</a:theme>
 </file>